--- a/titanic.pptx
+++ b/titanic.pptx
@@ -6,19 +6,20 @@
   </p:sldMasterIdLst>
   <p:sldIdLst>
     <p:sldId id="256" r:id="rId2"/>
-    <p:sldId id="259" r:id="rId3"/>
-    <p:sldId id="260" r:id="rId4"/>
-    <p:sldId id="261" r:id="rId5"/>
-    <p:sldId id="262" r:id="rId6"/>
-    <p:sldId id="263" r:id="rId7"/>
-    <p:sldId id="264" r:id="rId8"/>
-    <p:sldId id="266" r:id="rId9"/>
-    <p:sldId id="257" r:id="rId10"/>
-    <p:sldId id="269" r:id="rId11"/>
-    <p:sldId id="258" r:id="rId12"/>
-    <p:sldId id="268" r:id="rId13"/>
-    <p:sldId id="270" r:id="rId14"/>
-    <p:sldId id="271" r:id="rId15"/>
+    <p:sldId id="257" r:id="rId3"/>
+    <p:sldId id="269" r:id="rId4"/>
+    <p:sldId id="258" r:id="rId5"/>
+    <p:sldId id="268" r:id="rId6"/>
+    <p:sldId id="270" r:id="rId7"/>
+    <p:sldId id="272" r:id="rId8"/>
+    <p:sldId id="271" r:id="rId9"/>
+    <p:sldId id="259" r:id="rId10"/>
+    <p:sldId id="260" r:id="rId11"/>
+    <p:sldId id="261" r:id="rId12"/>
+    <p:sldId id="262" r:id="rId13"/>
+    <p:sldId id="263" r:id="rId14"/>
+    <p:sldId id="264" r:id="rId15"/>
+    <p:sldId id="266" r:id="rId16"/>
   </p:sldIdLst>
   <p:sldSz cx="12192000" cy="6858000"/>
   <p:notesSz cx="6858000" cy="9144000"/>
@@ -117,6 +118,11 @@
       </a:defRPr>
     </a:lvl9pPr>
   </p:defaultTextStyle>
+  <p:extLst>
+    <p:ext uri="{EFAFB233-063F-42B5-8137-9DF3F51BA10A}">
+      <p15:sldGuideLst xmlns:p15="http://schemas.microsoft.com/office/powerpoint/2012/main"/>
+    </p:ext>
+  </p:extLst>
 </p:presentation>
 </file>
 
@@ -293,7 +299,7 @@
           <a:p>
             <a:fld id="{C4DE450A-4DF2-4490-8E1C-B366DF36F248}" type="datetimeFigureOut">
               <a:rPr lang="pl-PL" smtClean="0"/>
-              <a:t>21.04.2021</a:t>
+              <a:t>24.04.2021</a:t>
             </a:fld>
             <a:endParaRPr lang="pl-PL"/>
           </a:p>
@@ -491,7 +497,7 @@
           <a:p>
             <a:fld id="{C4DE450A-4DF2-4490-8E1C-B366DF36F248}" type="datetimeFigureOut">
               <a:rPr lang="pl-PL" smtClean="0"/>
-              <a:t>21.04.2021</a:t>
+              <a:t>24.04.2021</a:t>
             </a:fld>
             <a:endParaRPr lang="pl-PL"/>
           </a:p>
@@ -699,7 +705,7 @@
           <a:p>
             <a:fld id="{C4DE450A-4DF2-4490-8E1C-B366DF36F248}" type="datetimeFigureOut">
               <a:rPr lang="pl-PL" smtClean="0"/>
-              <a:t>21.04.2021</a:t>
+              <a:t>24.04.2021</a:t>
             </a:fld>
             <a:endParaRPr lang="pl-PL"/>
           </a:p>
@@ -897,7 +903,7 @@
           <a:p>
             <a:fld id="{C4DE450A-4DF2-4490-8E1C-B366DF36F248}" type="datetimeFigureOut">
               <a:rPr lang="pl-PL" smtClean="0"/>
-              <a:t>21.04.2021</a:t>
+              <a:t>24.04.2021</a:t>
             </a:fld>
             <a:endParaRPr lang="pl-PL"/>
           </a:p>
@@ -1172,7 +1178,7 @@
           <a:p>
             <a:fld id="{C4DE450A-4DF2-4490-8E1C-B366DF36F248}" type="datetimeFigureOut">
               <a:rPr lang="pl-PL" smtClean="0"/>
-              <a:t>21.04.2021</a:t>
+              <a:t>24.04.2021</a:t>
             </a:fld>
             <a:endParaRPr lang="pl-PL"/>
           </a:p>
@@ -1437,7 +1443,7 @@
           <a:p>
             <a:fld id="{C4DE450A-4DF2-4490-8E1C-B366DF36F248}" type="datetimeFigureOut">
               <a:rPr lang="pl-PL" smtClean="0"/>
-              <a:t>21.04.2021</a:t>
+              <a:t>24.04.2021</a:t>
             </a:fld>
             <a:endParaRPr lang="pl-PL"/>
           </a:p>
@@ -1849,7 +1855,7 @@
           <a:p>
             <a:fld id="{C4DE450A-4DF2-4490-8E1C-B366DF36F248}" type="datetimeFigureOut">
               <a:rPr lang="pl-PL" smtClean="0"/>
-              <a:t>21.04.2021</a:t>
+              <a:t>24.04.2021</a:t>
             </a:fld>
             <a:endParaRPr lang="pl-PL"/>
           </a:p>
@@ -1990,7 +1996,7 @@
           <a:p>
             <a:fld id="{C4DE450A-4DF2-4490-8E1C-B366DF36F248}" type="datetimeFigureOut">
               <a:rPr lang="pl-PL" smtClean="0"/>
-              <a:t>21.04.2021</a:t>
+              <a:t>24.04.2021</a:t>
             </a:fld>
             <a:endParaRPr lang="pl-PL"/>
           </a:p>
@@ -2103,7 +2109,7 @@
           <a:p>
             <a:fld id="{C4DE450A-4DF2-4490-8E1C-B366DF36F248}" type="datetimeFigureOut">
               <a:rPr lang="pl-PL" smtClean="0"/>
-              <a:t>21.04.2021</a:t>
+              <a:t>24.04.2021</a:t>
             </a:fld>
             <a:endParaRPr lang="pl-PL"/>
           </a:p>
@@ -2414,7 +2420,7 @@
           <a:p>
             <a:fld id="{C4DE450A-4DF2-4490-8E1C-B366DF36F248}" type="datetimeFigureOut">
               <a:rPr lang="pl-PL" smtClean="0"/>
-              <a:t>21.04.2021</a:t>
+              <a:t>24.04.2021</a:t>
             </a:fld>
             <a:endParaRPr lang="pl-PL"/>
           </a:p>
@@ -2702,7 +2708,7 @@
           <a:p>
             <a:fld id="{C4DE450A-4DF2-4490-8E1C-B366DF36F248}" type="datetimeFigureOut">
               <a:rPr lang="pl-PL" smtClean="0"/>
-              <a:t>21.04.2021</a:t>
+              <a:t>24.04.2021</a:t>
             </a:fld>
             <a:endParaRPr lang="pl-PL"/>
           </a:p>
@@ -2943,7 +2949,7 @@
           <a:p>
             <a:fld id="{C4DE450A-4DF2-4490-8E1C-B366DF36F248}" type="datetimeFigureOut">
               <a:rPr lang="pl-PL" smtClean="0"/>
-              <a:t>21.04.2021</a:t>
+              <a:t>24.04.2021</a:t>
             </a:fld>
             <a:endParaRPr lang="pl-PL"/>
           </a:p>
@@ -3465,886 +3471,6 @@
           <a:chExt cx="0" cy="0"/>
         </a:xfrm>
       </p:grpSpPr>
-      <p:pic>
-        <p:nvPicPr>
-          <p:cNvPr id="1026" name="Picture 2" descr="How to create a train/test split for your Machine Learning model? –  MachineCurve">
-            <a:extLst>
-              <a:ext uri="{FF2B5EF4-FFF2-40B4-BE49-F238E27FC236}">
-                <a16:creationId xmlns:a16="http://schemas.microsoft.com/office/drawing/2014/main" id="{4DC6359F-BBF7-42E7-9343-9F83C281C133}"/>
-              </a:ext>
-            </a:extLst>
-          </p:cNvPr>
-          <p:cNvPicPr>
-            <a:picLocks noChangeAspect="1" noChangeArrowheads="1"/>
-          </p:cNvPicPr>
-          <p:nvPr/>
-        </p:nvPicPr>
-        <p:blipFill>
-          <a:blip r:embed="rId2">
-            <a:extLst>
-              <a:ext uri="{28A0092B-C50C-407E-A947-70E740481C1C}">
-                <a14:useLocalDpi xmlns:a14="http://schemas.microsoft.com/office/drawing/2010/main" val="0"/>
-              </a:ext>
-            </a:extLst>
-          </a:blip>
-          <a:srcRect/>
-          <a:stretch>
-            <a:fillRect/>
-          </a:stretch>
-        </p:blipFill>
-        <p:spPr bwMode="auto">
-          <a:xfrm>
-            <a:off x="2181225" y="1734563"/>
-            <a:ext cx="7829550" cy="4400550"/>
-          </a:xfrm>
-          <a:prstGeom prst="rect">
-            <a:avLst/>
-          </a:prstGeom>
-          <a:noFill/>
-          <a:extLst>
-            <a:ext uri="{909E8E84-426E-40DD-AFC4-6F175D3DCCD1}">
-              <a14:hiddenFill xmlns:a14="http://schemas.microsoft.com/office/drawing/2010/main">
-                <a:solidFill>
-                  <a:srgbClr val="FFFFFF"/>
-                </a:solidFill>
-              </a14:hiddenFill>
-            </a:ext>
-          </a:extLst>
-        </p:spPr>
-      </p:pic>
-      <p:sp>
-        <p:nvSpPr>
-          <p:cNvPr id="11" name="Tytuł 1">
-            <a:extLst>
-              <a:ext uri="{FF2B5EF4-FFF2-40B4-BE49-F238E27FC236}">
-                <a16:creationId xmlns:a16="http://schemas.microsoft.com/office/drawing/2014/main" id="{2AB177E0-B2EF-43C6-B4DE-202B965A3D2A}"/>
-              </a:ext>
-            </a:extLst>
-          </p:cNvPr>
-          <p:cNvSpPr>
-            <a:spLocks noGrp="1"/>
-          </p:cNvSpPr>
-          <p:nvPr>
-            <p:ph type="title"/>
-          </p:nvPr>
-        </p:nvSpPr>
-        <p:spPr>
-          <a:xfrm>
-            <a:off x="838200" y="0"/>
-            <a:ext cx="10515600" cy="1325563"/>
-          </a:xfrm>
-        </p:spPr>
-        <p:txBody>
-          <a:bodyPr/>
-          <a:lstStyle/>
-          <a:p>
-            <a:pPr algn="ctr"/>
-            <a:r>
-              <a:rPr lang="pl-PL" dirty="0" err="1"/>
-              <a:t>Overfitting</a:t>
-            </a:r>
-            <a:r>
-              <a:rPr lang="pl-PL" dirty="0"/>
-              <a:t> – jak uniknąć?</a:t>
-            </a:r>
-          </a:p>
-        </p:txBody>
-      </p:sp>
-    </p:spTree>
-    <p:extLst>
-      <p:ext uri="{BB962C8B-B14F-4D97-AF65-F5344CB8AC3E}">
-        <p14:creationId xmlns:p14="http://schemas.microsoft.com/office/powerpoint/2010/main" val="369618086"/>
-      </p:ext>
-    </p:extLst>
-  </p:cSld>
-  <p:clrMapOvr>
-    <a:masterClrMapping/>
-  </p:clrMapOvr>
-</p:sld>
-</file>
-
-<file path=ppt/slides/slide11.xml><?xml version="1.0" encoding="utf-8"?>
-<p:sld xmlns:a="http://schemas.openxmlformats.org/drawingml/2006/main" xmlns:r="http://schemas.openxmlformats.org/officeDocument/2006/relationships" xmlns:p="http://schemas.openxmlformats.org/presentationml/2006/main">
-  <p:cSld>
-    <p:spTree>
-      <p:nvGrpSpPr>
-        <p:cNvPr id="1" name=""/>
-        <p:cNvGrpSpPr/>
-        <p:nvPr/>
-      </p:nvGrpSpPr>
-      <p:grpSpPr>
-        <a:xfrm>
-          <a:off x="0" y="0"/>
-          <a:ext cx="0" cy="0"/>
-          <a:chOff x="0" y="0"/>
-          <a:chExt cx="0" cy="0"/>
-        </a:xfrm>
-      </p:grpSpPr>
-      <p:sp>
-        <p:nvSpPr>
-          <p:cNvPr id="2" name="Tytuł 1">
-            <a:extLst>
-              <a:ext uri="{FF2B5EF4-FFF2-40B4-BE49-F238E27FC236}">
-                <a16:creationId xmlns:a16="http://schemas.microsoft.com/office/drawing/2014/main" id="{2284F9FD-44BC-47D7-8904-CCC15491C6F1}"/>
-              </a:ext>
-            </a:extLst>
-          </p:cNvPr>
-          <p:cNvSpPr>
-            <a:spLocks noGrp="1"/>
-          </p:cNvSpPr>
-          <p:nvPr>
-            <p:ph type="title"/>
-          </p:nvPr>
-        </p:nvSpPr>
-        <p:spPr>
-          <a:xfrm>
-            <a:off x="838200" y="14929"/>
-            <a:ext cx="10515600" cy="1325563"/>
-          </a:xfrm>
-        </p:spPr>
-        <p:txBody>
-          <a:bodyPr/>
-          <a:lstStyle/>
-          <a:p>
-            <a:pPr algn="ctr"/>
-            <a:r>
-              <a:rPr lang="pl-PL" dirty="0"/>
-              <a:t>Wartość </a:t>
-            </a:r>
-            <a:r>
-              <a:rPr lang="pl-PL" dirty="0" err="1"/>
-              <a:t>accuracy</a:t>
-            </a:r>
-            <a:r>
-              <a:rPr lang="pl-PL" dirty="0"/>
-              <a:t> na przestrzeni epok</a:t>
-            </a:r>
-          </a:p>
-        </p:txBody>
-      </p:sp>
-      <p:pic>
-        <p:nvPicPr>
-          <p:cNvPr id="7" name="Obraz 6">
-            <a:extLst>
-              <a:ext uri="{FF2B5EF4-FFF2-40B4-BE49-F238E27FC236}">
-                <a16:creationId xmlns:a16="http://schemas.microsoft.com/office/drawing/2014/main" id="{164BC08E-DD61-453A-9DD6-B8CEC96A0B94}"/>
-              </a:ext>
-            </a:extLst>
-          </p:cNvPr>
-          <p:cNvPicPr>
-            <a:picLocks noChangeAspect="1"/>
-          </p:cNvPicPr>
-          <p:nvPr/>
-        </p:nvPicPr>
-        <p:blipFill>
-          <a:blip r:embed="rId2"/>
-          <a:stretch>
-            <a:fillRect/>
-          </a:stretch>
-        </p:blipFill>
-        <p:spPr>
-          <a:xfrm>
-            <a:off x="419100" y="1508734"/>
-            <a:ext cx="11353800" cy="4984141"/>
-          </a:xfrm>
-          <a:prstGeom prst="rect">
-            <a:avLst/>
-          </a:prstGeom>
-        </p:spPr>
-      </p:pic>
-    </p:spTree>
-    <p:extLst>
-      <p:ext uri="{BB962C8B-B14F-4D97-AF65-F5344CB8AC3E}">
-        <p14:creationId xmlns:p14="http://schemas.microsoft.com/office/powerpoint/2010/main" val="3251131052"/>
-      </p:ext>
-    </p:extLst>
-  </p:cSld>
-  <p:clrMapOvr>
-    <a:masterClrMapping/>
-  </p:clrMapOvr>
-</p:sld>
-</file>
-
-<file path=ppt/slides/slide12.xml><?xml version="1.0" encoding="utf-8"?>
-<p:sld xmlns:a="http://schemas.openxmlformats.org/drawingml/2006/main" xmlns:r="http://schemas.openxmlformats.org/officeDocument/2006/relationships" xmlns:p="http://schemas.openxmlformats.org/presentationml/2006/main">
-  <p:cSld>
-    <p:spTree>
-      <p:nvGrpSpPr>
-        <p:cNvPr id="1" name=""/>
-        <p:cNvGrpSpPr/>
-        <p:nvPr/>
-      </p:nvGrpSpPr>
-      <p:grpSpPr>
-        <a:xfrm>
-          <a:off x="0" y="0"/>
-          <a:ext cx="0" cy="0"/>
-          <a:chOff x="0" y="0"/>
-          <a:chExt cx="0" cy="0"/>
-        </a:xfrm>
-      </p:grpSpPr>
-      <p:sp>
-        <p:nvSpPr>
-          <p:cNvPr id="2" name="Tytuł 1">
-            <a:extLst>
-              <a:ext uri="{FF2B5EF4-FFF2-40B4-BE49-F238E27FC236}">
-                <a16:creationId xmlns:a16="http://schemas.microsoft.com/office/drawing/2014/main" id="{2284F9FD-44BC-47D7-8904-CCC15491C6F1}"/>
-              </a:ext>
-            </a:extLst>
-          </p:cNvPr>
-          <p:cNvSpPr>
-            <a:spLocks noGrp="1"/>
-          </p:cNvSpPr>
-          <p:nvPr>
-            <p:ph type="title"/>
-          </p:nvPr>
-        </p:nvSpPr>
-        <p:spPr>
-          <a:xfrm>
-            <a:off x="838200" y="0"/>
-            <a:ext cx="10515600" cy="1325563"/>
-          </a:xfrm>
-        </p:spPr>
-        <p:txBody>
-          <a:bodyPr/>
-          <a:lstStyle/>
-          <a:p>
-            <a:pPr algn="ctr"/>
-            <a:r>
-              <a:rPr lang="pl-PL" dirty="0"/>
-              <a:t>Wartość </a:t>
-            </a:r>
-            <a:r>
-              <a:rPr lang="pl-PL" dirty="0" err="1"/>
-              <a:t>loss</a:t>
-            </a:r>
-            <a:r>
-              <a:rPr lang="pl-PL" dirty="0"/>
-              <a:t> na przestrzeni epok</a:t>
-            </a:r>
-          </a:p>
-        </p:txBody>
-      </p:sp>
-      <p:pic>
-        <p:nvPicPr>
-          <p:cNvPr id="4" name="Obraz 3">
-            <a:extLst>
-              <a:ext uri="{FF2B5EF4-FFF2-40B4-BE49-F238E27FC236}">
-                <a16:creationId xmlns:a16="http://schemas.microsoft.com/office/drawing/2014/main" id="{20F7BB35-E936-4AFF-BDF9-0C75F3A0746D}"/>
-              </a:ext>
-            </a:extLst>
-          </p:cNvPr>
-          <p:cNvPicPr>
-            <a:picLocks noChangeAspect="1"/>
-          </p:cNvPicPr>
-          <p:nvPr/>
-        </p:nvPicPr>
-        <p:blipFill>
-          <a:blip r:embed="rId2"/>
-          <a:stretch>
-            <a:fillRect/>
-          </a:stretch>
-        </p:blipFill>
-        <p:spPr>
-          <a:xfrm>
-            <a:off x="419100" y="1519530"/>
-            <a:ext cx="11353800" cy="5033612"/>
-          </a:xfrm>
-          <a:prstGeom prst="rect">
-            <a:avLst/>
-          </a:prstGeom>
-        </p:spPr>
-      </p:pic>
-    </p:spTree>
-    <p:extLst>
-      <p:ext uri="{BB962C8B-B14F-4D97-AF65-F5344CB8AC3E}">
-        <p14:creationId xmlns:p14="http://schemas.microsoft.com/office/powerpoint/2010/main" val="1995571828"/>
-      </p:ext>
-    </p:extLst>
-  </p:cSld>
-  <p:clrMapOvr>
-    <a:masterClrMapping/>
-  </p:clrMapOvr>
-</p:sld>
-</file>
-
-<file path=ppt/slides/slide13.xml><?xml version="1.0" encoding="utf-8"?>
-<p:sld xmlns:a="http://schemas.openxmlformats.org/drawingml/2006/main" xmlns:r="http://schemas.openxmlformats.org/officeDocument/2006/relationships" xmlns:p="http://schemas.openxmlformats.org/presentationml/2006/main">
-  <p:cSld>
-    <p:spTree>
-      <p:nvGrpSpPr>
-        <p:cNvPr id="1" name=""/>
-        <p:cNvGrpSpPr/>
-        <p:nvPr/>
-      </p:nvGrpSpPr>
-      <p:grpSpPr>
-        <a:xfrm>
-          <a:off x="0" y="0"/>
-          <a:ext cx="0" cy="0"/>
-          <a:chOff x="0" y="0"/>
-          <a:chExt cx="0" cy="0"/>
-        </a:xfrm>
-      </p:grpSpPr>
-      <p:sp>
-        <p:nvSpPr>
-          <p:cNvPr id="11" name="Tytuł 1">
-            <a:extLst>
-              <a:ext uri="{FF2B5EF4-FFF2-40B4-BE49-F238E27FC236}">
-                <a16:creationId xmlns:a16="http://schemas.microsoft.com/office/drawing/2014/main" id="{2AB177E0-B2EF-43C6-B4DE-202B965A3D2A}"/>
-              </a:ext>
-            </a:extLst>
-          </p:cNvPr>
-          <p:cNvSpPr>
-            <a:spLocks noGrp="1"/>
-          </p:cNvSpPr>
-          <p:nvPr>
-            <p:ph type="title"/>
-          </p:nvPr>
-        </p:nvSpPr>
-        <p:spPr>
-          <a:xfrm>
-            <a:off x="838200" y="0"/>
-            <a:ext cx="10515600" cy="1325563"/>
-          </a:xfrm>
-        </p:spPr>
-        <p:txBody>
-          <a:bodyPr/>
-          <a:lstStyle/>
-          <a:p>
-            <a:pPr algn="ctr"/>
-            <a:r>
-              <a:rPr lang="pl-PL" dirty="0" err="1"/>
-              <a:t>Overfitting</a:t>
-            </a:r>
-            <a:r>
-              <a:rPr lang="pl-PL" dirty="0"/>
-              <a:t> – jak uniknąć?</a:t>
-            </a:r>
-          </a:p>
-        </p:txBody>
-      </p:sp>
-      <p:sp>
-        <p:nvSpPr>
-          <p:cNvPr id="2" name="pole tekstowe 1">
-            <a:extLst>
-              <a:ext uri="{FF2B5EF4-FFF2-40B4-BE49-F238E27FC236}">
-                <a16:creationId xmlns:a16="http://schemas.microsoft.com/office/drawing/2014/main" id="{E6287946-1C76-4E36-ACB4-95D91F2BCA36}"/>
-              </a:ext>
-            </a:extLst>
-          </p:cNvPr>
-          <p:cNvSpPr txBox="1"/>
-          <p:nvPr/>
-        </p:nvSpPr>
-        <p:spPr>
-          <a:xfrm>
-            <a:off x="838200" y="1874197"/>
-            <a:ext cx="8370433" cy="2585323"/>
-          </a:xfrm>
-          <a:prstGeom prst="rect">
-            <a:avLst/>
-          </a:prstGeom>
-          <a:noFill/>
-        </p:spPr>
-        <p:txBody>
-          <a:bodyPr wrap="none" rtlCol="0">
-            <a:spAutoFit/>
-          </a:bodyPr>
-          <a:lstStyle/>
-          <a:p>
-            <a:r>
-              <a:rPr lang="en-US" dirty="0"/>
-              <a:t>from </a:t>
-            </a:r>
-            <a:r>
-              <a:rPr lang="en-US" dirty="0" err="1"/>
-              <a:t>tensorflow.keras.callbacks</a:t>
-            </a:r>
-            <a:r>
-              <a:rPr lang="en-US" dirty="0"/>
-              <a:t> import </a:t>
-            </a:r>
-            <a:r>
-              <a:rPr lang="en-US" b="1" dirty="0" err="1"/>
-              <a:t>EarlyStopping</a:t>
-            </a:r>
-            <a:endParaRPr lang="pl-PL" b="1" dirty="0"/>
-          </a:p>
-          <a:p>
-            <a:endParaRPr lang="en-US" b="1" dirty="0"/>
-          </a:p>
-          <a:p>
-            <a:r>
-              <a:rPr lang="pl-PL" dirty="0" err="1"/>
-              <a:t>history</a:t>
-            </a:r>
-            <a:r>
-              <a:rPr lang="pl-PL" dirty="0"/>
-              <a:t> = </a:t>
-            </a:r>
-            <a:r>
-              <a:rPr lang="pl-PL" dirty="0" err="1"/>
-              <a:t>model.fit</a:t>
-            </a:r>
-            <a:r>
-              <a:rPr lang="pl-PL" dirty="0"/>
-              <a:t>(x=</a:t>
-            </a:r>
-            <a:r>
-              <a:rPr lang="pl-PL" dirty="0" err="1"/>
-              <a:t>X_train</a:t>
-            </a:r>
-            <a:r>
-              <a:rPr lang="pl-PL" dirty="0"/>
-              <a:t>, y=</a:t>
-            </a:r>
-            <a:r>
-              <a:rPr lang="pl-PL" dirty="0" err="1"/>
-              <a:t>Y_train</a:t>
-            </a:r>
-            <a:r>
-              <a:rPr lang="pl-PL" dirty="0"/>
-              <a:t>, </a:t>
-            </a:r>
-            <a:r>
-              <a:rPr lang="pl-PL" dirty="0" err="1"/>
-              <a:t>epochs</a:t>
-            </a:r>
-            <a:r>
-              <a:rPr lang="pl-PL" dirty="0"/>
-              <a:t>=200, </a:t>
-            </a:r>
-            <a:r>
-              <a:rPr lang="pl-PL" dirty="0" err="1"/>
-              <a:t>batch_size</a:t>
-            </a:r>
-            <a:r>
-              <a:rPr lang="pl-PL" dirty="0"/>
-              <a:t>=16,</a:t>
-            </a:r>
-          </a:p>
-          <a:p>
-            <a:r>
-              <a:rPr lang="pl-PL" dirty="0"/>
-              <a:t>                    </a:t>
-            </a:r>
-            <a:r>
-              <a:rPr lang="pl-PL" dirty="0" err="1"/>
-              <a:t>validation_split</a:t>
-            </a:r>
-            <a:r>
-              <a:rPr lang="pl-PL" dirty="0"/>
-              <a:t>=0.2, </a:t>
-            </a:r>
-            <a:r>
-              <a:rPr lang="en-US" b="1" dirty="0"/>
-              <a:t>callbacks=[</a:t>
-            </a:r>
-            <a:r>
-              <a:rPr lang="en-US" b="1" dirty="0" err="1"/>
-              <a:t>EarlyStopping</a:t>
-            </a:r>
-            <a:r>
-              <a:rPr lang="en-US" b="1" dirty="0"/>
-              <a:t>(monitor='loss', patience=2)])</a:t>
-            </a:r>
-            <a:endParaRPr lang="pl-PL" dirty="0"/>
-          </a:p>
-          <a:p>
-            <a:endParaRPr lang="pl-PL" dirty="0"/>
-          </a:p>
-          <a:p>
-            <a:endParaRPr lang="pl-PL" dirty="0"/>
-          </a:p>
-          <a:p>
-            <a:endParaRPr lang="pl-PL" dirty="0"/>
-          </a:p>
-          <a:p>
-            <a:r>
-              <a:rPr lang="pl-PL" dirty="0" err="1"/>
-              <a:t>history.history</a:t>
-            </a:r>
-            <a:r>
-              <a:rPr lang="pl-PL" dirty="0"/>
-              <a:t>[‚</a:t>
-            </a:r>
-            <a:r>
-              <a:rPr lang="pl-PL" dirty="0" err="1"/>
-              <a:t>loss</a:t>
-            </a:r>
-            <a:r>
-              <a:rPr lang="pl-PL" dirty="0"/>
-              <a:t>’] = wartości </a:t>
-            </a:r>
-            <a:r>
-              <a:rPr lang="pl-PL" dirty="0" err="1"/>
-              <a:t>loss</a:t>
-            </a:r>
-            <a:r>
-              <a:rPr lang="pl-PL" dirty="0"/>
-              <a:t> dla zbioru </a:t>
-            </a:r>
-            <a:r>
-              <a:rPr lang="pl-PL" dirty="0" err="1"/>
-              <a:t>train</a:t>
-            </a:r>
-            <a:endParaRPr lang="pl-PL" dirty="0"/>
-          </a:p>
-          <a:p>
-            <a:r>
-              <a:rPr lang="pl-PL" dirty="0" err="1"/>
-              <a:t>history.history</a:t>
-            </a:r>
-            <a:r>
-              <a:rPr lang="pl-PL" dirty="0"/>
-              <a:t>[‚</a:t>
-            </a:r>
-            <a:r>
-              <a:rPr lang="pl-PL" dirty="0" err="1"/>
-              <a:t>val_loss</a:t>
-            </a:r>
-            <a:r>
-              <a:rPr lang="pl-PL" dirty="0"/>
-              <a:t>’] = wartości </a:t>
-            </a:r>
-            <a:r>
-              <a:rPr lang="pl-PL" dirty="0" err="1"/>
-              <a:t>loss</a:t>
-            </a:r>
-            <a:r>
-              <a:rPr lang="pl-PL" dirty="0"/>
-              <a:t> dla zbioru </a:t>
-            </a:r>
-            <a:r>
-              <a:rPr lang="pl-PL" dirty="0" err="1"/>
-              <a:t>valid</a:t>
-            </a:r>
-            <a:endParaRPr lang="pl-PL" dirty="0"/>
-          </a:p>
-        </p:txBody>
-      </p:sp>
-    </p:spTree>
-    <p:extLst>
-      <p:ext uri="{BB962C8B-B14F-4D97-AF65-F5344CB8AC3E}">
-        <p14:creationId xmlns:p14="http://schemas.microsoft.com/office/powerpoint/2010/main" val="4149593741"/>
-      </p:ext>
-    </p:extLst>
-  </p:cSld>
-  <p:clrMapOvr>
-    <a:masterClrMapping/>
-  </p:clrMapOvr>
-</p:sld>
-</file>
-
-<file path=ppt/slides/slide14.xml><?xml version="1.0" encoding="utf-8"?>
-<p:sld xmlns:a="http://schemas.openxmlformats.org/drawingml/2006/main" xmlns:r="http://schemas.openxmlformats.org/officeDocument/2006/relationships" xmlns:p="http://schemas.openxmlformats.org/presentationml/2006/main">
-  <p:cSld>
-    <p:spTree>
-      <p:nvGrpSpPr>
-        <p:cNvPr id="1" name=""/>
-        <p:cNvGrpSpPr/>
-        <p:nvPr/>
-      </p:nvGrpSpPr>
-      <p:grpSpPr>
-        <a:xfrm>
-          <a:off x="0" y="0"/>
-          <a:ext cx="0" cy="0"/>
-          <a:chOff x="0" y="0"/>
-          <a:chExt cx="0" cy="0"/>
-        </a:xfrm>
-      </p:grpSpPr>
-      <p:sp>
-        <p:nvSpPr>
-          <p:cNvPr id="2" name="Tytuł 1">
-            <a:extLst>
-              <a:ext uri="{FF2B5EF4-FFF2-40B4-BE49-F238E27FC236}">
-                <a16:creationId xmlns:a16="http://schemas.microsoft.com/office/drawing/2014/main" id="{71D17FFE-44A5-40FF-8B5E-DE601694BFDC}"/>
-              </a:ext>
-            </a:extLst>
-          </p:cNvPr>
-          <p:cNvSpPr>
-            <a:spLocks noGrp="1"/>
-          </p:cNvSpPr>
-          <p:nvPr>
-            <p:ph type="title"/>
-          </p:nvPr>
-        </p:nvSpPr>
-        <p:spPr/>
-        <p:txBody>
-          <a:bodyPr/>
-          <a:lstStyle/>
-          <a:p>
-            <a:r>
-              <a:rPr lang="pl-PL" dirty="0"/>
-              <a:t>ZADANIE</a:t>
-            </a:r>
-          </a:p>
-        </p:txBody>
-      </p:sp>
-      <p:sp>
-        <p:nvSpPr>
-          <p:cNvPr id="3" name="Symbol zastępczy zawartości 2">
-            <a:extLst>
-              <a:ext uri="{FF2B5EF4-FFF2-40B4-BE49-F238E27FC236}">
-                <a16:creationId xmlns:a16="http://schemas.microsoft.com/office/drawing/2014/main" id="{A694B9FA-53C6-40D0-BCE3-2E760DB42B00}"/>
-              </a:ext>
-            </a:extLst>
-          </p:cNvPr>
-          <p:cNvSpPr>
-            <a:spLocks noGrp="1"/>
-          </p:cNvSpPr>
-          <p:nvPr>
-            <p:ph idx="1"/>
-          </p:nvPr>
-        </p:nvSpPr>
-        <p:spPr/>
-        <p:txBody>
-          <a:bodyPr>
-            <a:normAutofit/>
-          </a:bodyPr>
-          <a:lstStyle/>
-          <a:p>
-            <a:pPr>
-              <a:buFontTx/>
-              <a:buChar char="-"/>
-            </a:pPr>
-            <a:r>
-              <a:rPr lang="pl-PL" sz="2400" dirty="0"/>
-              <a:t>Przeanalizuj zbiór danych </a:t>
-            </a:r>
-            <a:r>
-              <a:rPr lang="pl-PL" sz="2400" dirty="0" err="1"/>
-              <a:t>Titanic</a:t>
-            </a:r>
-            <a:endParaRPr lang="pl-PL" sz="2400" dirty="0"/>
-          </a:p>
-          <a:p>
-            <a:pPr>
-              <a:buFontTx/>
-              <a:buChar char="-"/>
-            </a:pPr>
-            <a:r>
-              <a:rPr lang="pl-PL" sz="2400" dirty="0"/>
-              <a:t>Wykonaj transformację kolumn do odpowiedniej postaci</a:t>
-            </a:r>
-          </a:p>
-          <a:p>
-            <a:pPr>
-              <a:buFontTx/>
-              <a:buChar char="-"/>
-            </a:pPr>
-            <a:r>
-              <a:rPr lang="pl-PL" sz="2400" dirty="0"/>
-              <a:t>Zamodeluj dane (np. MLP – </a:t>
-            </a:r>
-            <a:r>
-              <a:rPr lang="pl-PL" sz="2400" dirty="0" err="1"/>
-              <a:t>Keras</a:t>
-            </a:r>
-            <a:r>
-              <a:rPr lang="pl-PL" sz="2400" dirty="0"/>
-              <a:t>, [KNN, SVM, </a:t>
-            </a:r>
-            <a:r>
-              <a:rPr lang="pl-PL" sz="2400" dirty="0" err="1"/>
-              <a:t>Random</a:t>
-            </a:r>
-            <a:r>
-              <a:rPr lang="pl-PL" sz="2400" dirty="0"/>
-              <a:t> </a:t>
-            </a:r>
-            <a:r>
-              <a:rPr lang="pl-PL" sz="2400" dirty="0" err="1"/>
-              <a:t>Forest</a:t>
-            </a:r>
-            <a:r>
-              <a:rPr lang="pl-PL" sz="2400" dirty="0"/>
-              <a:t>] – </a:t>
-            </a:r>
-            <a:r>
-              <a:rPr lang="pl-PL" sz="2400" dirty="0" err="1"/>
-              <a:t>sklearn</a:t>
-            </a:r>
-            <a:r>
-              <a:rPr lang="pl-PL" sz="2400" dirty="0"/>
-              <a:t>)</a:t>
-            </a:r>
-          </a:p>
-          <a:p>
-            <a:pPr marL="0" indent="0">
-              <a:buNone/>
-            </a:pPr>
-            <a:endParaRPr lang="pl-PL" sz="2400" dirty="0"/>
-          </a:p>
-          <a:p>
-            <a:pPr marL="0" indent="0">
-              <a:buNone/>
-            </a:pPr>
-            <a:endParaRPr lang="pl-PL" sz="2400" dirty="0"/>
-          </a:p>
-          <a:p>
-            <a:pPr marL="0" indent="0">
-              <a:buNone/>
-            </a:pPr>
-            <a:r>
-              <a:rPr lang="pl-PL" sz="2400" dirty="0"/>
-              <a:t>Kopalnia wiedzy:</a:t>
-            </a:r>
-          </a:p>
-          <a:p>
-            <a:pPr>
-              <a:buFontTx/>
-              <a:buChar char="-"/>
-            </a:pPr>
-            <a:r>
-              <a:rPr lang="pl-PL" sz="2400" dirty="0"/>
-              <a:t>kaggle.com</a:t>
-            </a:r>
-          </a:p>
-          <a:p>
-            <a:pPr>
-              <a:buFontTx/>
-              <a:buChar char="-"/>
-            </a:pPr>
-            <a:r>
-              <a:rPr lang="pl-PL" sz="2400" dirty="0"/>
-              <a:t>medium.com</a:t>
-            </a:r>
-          </a:p>
-          <a:p>
-            <a:pPr>
-              <a:buFontTx/>
-              <a:buChar char="-"/>
-            </a:pPr>
-            <a:r>
-              <a:rPr lang="pl-PL" sz="2400" dirty="0"/>
-              <a:t>towardsdatascience.com</a:t>
-            </a:r>
-          </a:p>
-        </p:txBody>
-      </p:sp>
-    </p:spTree>
-    <p:extLst>
-      <p:ext uri="{BB962C8B-B14F-4D97-AF65-F5344CB8AC3E}">
-        <p14:creationId xmlns:p14="http://schemas.microsoft.com/office/powerpoint/2010/main" val="3299392330"/>
-      </p:ext>
-    </p:extLst>
-  </p:cSld>
-  <p:clrMapOvr>
-    <a:masterClrMapping/>
-  </p:clrMapOvr>
-</p:sld>
-</file>
-
-<file path=ppt/slides/slide2.xml><?xml version="1.0" encoding="utf-8"?>
-<p:sld xmlns:a="http://schemas.openxmlformats.org/drawingml/2006/main" xmlns:r="http://schemas.openxmlformats.org/officeDocument/2006/relationships" xmlns:p="http://schemas.openxmlformats.org/presentationml/2006/main">
-  <p:cSld>
-    <p:spTree>
-      <p:nvGrpSpPr>
-        <p:cNvPr id="1" name=""/>
-        <p:cNvGrpSpPr/>
-        <p:nvPr/>
-      </p:nvGrpSpPr>
-      <p:grpSpPr>
-        <a:xfrm>
-          <a:off x="0" y="0"/>
-          <a:ext cx="0" cy="0"/>
-          <a:chOff x="0" y="0"/>
-          <a:chExt cx="0" cy="0"/>
-        </a:xfrm>
-      </p:grpSpPr>
-      <p:sp>
-        <p:nvSpPr>
-          <p:cNvPr id="2" name="Tytuł 1">
-            <a:extLst>
-              <a:ext uri="{FF2B5EF4-FFF2-40B4-BE49-F238E27FC236}">
-                <a16:creationId xmlns:a16="http://schemas.microsoft.com/office/drawing/2014/main" id="{0C07D662-7D02-47EA-B87F-774DA6AE8159}"/>
-              </a:ext>
-            </a:extLst>
-          </p:cNvPr>
-          <p:cNvSpPr>
-            <a:spLocks noGrp="1"/>
-          </p:cNvSpPr>
-          <p:nvPr>
-            <p:ph type="title"/>
-          </p:nvPr>
-        </p:nvSpPr>
-        <p:spPr>
-          <a:xfrm>
-            <a:off x="838200" y="0"/>
-            <a:ext cx="10515600" cy="1325563"/>
-          </a:xfrm>
-        </p:spPr>
-        <p:txBody>
-          <a:bodyPr/>
-          <a:lstStyle/>
-          <a:p>
-            <a:pPr algn="ctr"/>
-            <a:r>
-              <a:rPr lang="pl-PL" dirty="0"/>
-              <a:t>Analiza problemu</a:t>
-            </a:r>
-          </a:p>
-        </p:txBody>
-      </p:sp>
-      <p:pic>
-        <p:nvPicPr>
-          <p:cNvPr id="7" name="Obraz 6">
-            <a:extLst>
-              <a:ext uri="{FF2B5EF4-FFF2-40B4-BE49-F238E27FC236}">
-                <a16:creationId xmlns:a16="http://schemas.microsoft.com/office/drawing/2014/main" id="{AF46E1BB-899E-4DA9-A9CC-01EA11401599}"/>
-              </a:ext>
-            </a:extLst>
-          </p:cNvPr>
-          <p:cNvPicPr>
-            <a:picLocks noChangeAspect="1"/>
-          </p:cNvPicPr>
-          <p:nvPr/>
-        </p:nvPicPr>
-        <p:blipFill>
-          <a:blip r:embed="rId2"/>
-          <a:stretch>
-            <a:fillRect/>
-          </a:stretch>
-        </p:blipFill>
-        <p:spPr>
-          <a:xfrm>
-            <a:off x="1465793" y="1325563"/>
-            <a:ext cx="9260413" cy="5311846"/>
-          </a:xfrm>
-          <a:prstGeom prst="rect">
-            <a:avLst/>
-          </a:prstGeom>
-        </p:spPr>
-      </p:pic>
-    </p:spTree>
-    <p:extLst>
-      <p:ext uri="{BB962C8B-B14F-4D97-AF65-F5344CB8AC3E}">
-        <p14:creationId xmlns:p14="http://schemas.microsoft.com/office/powerpoint/2010/main" val="4161694496"/>
-      </p:ext>
-    </p:extLst>
-  </p:cSld>
-  <p:clrMapOvr>
-    <a:masterClrMapping/>
-  </p:clrMapOvr>
-</p:sld>
-</file>
-
-<file path=ppt/slides/slide3.xml><?xml version="1.0" encoding="utf-8"?>
-<p:sld xmlns:a="http://schemas.openxmlformats.org/drawingml/2006/main" xmlns:r="http://schemas.openxmlformats.org/officeDocument/2006/relationships" xmlns:p="http://schemas.openxmlformats.org/presentationml/2006/main">
-  <p:cSld>
-    <p:spTree>
-      <p:nvGrpSpPr>
-        <p:cNvPr id="1" name=""/>
-        <p:cNvGrpSpPr/>
-        <p:nvPr/>
-      </p:nvGrpSpPr>
-      <p:grpSpPr>
-        <a:xfrm>
-          <a:off x="0" y="0"/>
-          <a:ext cx="0" cy="0"/>
-          <a:chOff x="0" y="0"/>
-          <a:chExt cx="0" cy="0"/>
-        </a:xfrm>
-      </p:grpSpPr>
       <p:sp>
         <p:nvSpPr>
           <p:cNvPr id="2" name="Tytuł 1">
@@ -4701,7 +3827,7 @@
 </p:sld>
 </file>
 
-<file path=ppt/slides/slide4.xml><?xml version="1.0" encoding="utf-8"?>
+<file path=ppt/slides/slide11.xml><?xml version="1.0" encoding="utf-8"?>
 <p:sld xmlns:a="http://schemas.openxmlformats.org/drawingml/2006/main" xmlns:r="http://schemas.openxmlformats.org/officeDocument/2006/relationships" xmlns:p="http://schemas.openxmlformats.org/presentationml/2006/main">
   <p:cSld>
     <p:spTree>
@@ -5046,7 +4172,7 @@
 </p:sld>
 </file>
 
-<file path=ppt/slides/slide5.xml><?xml version="1.0" encoding="utf-8"?>
+<file path=ppt/slides/slide12.xml><?xml version="1.0" encoding="utf-8"?>
 <p:sld xmlns:a="http://schemas.openxmlformats.org/drawingml/2006/main" xmlns:r="http://schemas.openxmlformats.org/officeDocument/2006/relationships" xmlns:p="http://schemas.openxmlformats.org/presentationml/2006/main">
   <p:cSld>
     <p:spTree>
@@ -5399,7 +4525,7 @@
 </p:sld>
 </file>
 
-<file path=ppt/slides/slide6.xml><?xml version="1.0" encoding="utf-8"?>
+<file path=ppt/slides/slide13.xml><?xml version="1.0" encoding="utf-8"?>
 <p:sld xmlns:a="http://schemas.openxmlformats.org/drawingml/2006/main" xmlns:r="http://schemas.openxmlformats.org/officeDocument/2006/relationships" xmlns:p="http://schemas.openxmlformats.org/presentationml/2006/main">
   <p:cSld>
     <p:spTree>
@@ -5721,6 +4847,2202 @@
 </p:sld>
 </file>
 
+<file path=ppt/slides/slide14.xml><?xml version="1.0" encoding="utf-8"?>
+<p:sld xmlns:a="http://schemas.openxmlformats.org/drawingml/2006/main" xmlns:r="http://schemas.openxmlformats.org/officeDocument/2006/relationships" xmlns:p="http://schemas.openxmlformats.org/presentationml/2006/main">
+  <p:cSld>
+    <p:spTree>
+      <p:nvGrpSpPr>
+        <p:cNvPr id="1" name=""/>
+        <p:cNvGrpSpPr/>
+        <p:nvPr/>
+      </p:nvGrpSpPr>
+      <p:grpSpPr>
+        <a:xfrm>
+          <a:off x="0" y="0"/>
+          <a:ext cx="0" cy="0"/>
+          <a:chOff x="0" y="0"/>
+          <a:chExt cx="0" cy="0"/>
+        </a:xfrm>
+      </p:grpSpPr>
+      <p:sp>
+        <p:nvSpPr>
+          <p:cNvPr id="2" name="Tytuł 1">
+            <a:extLst>
+              <a:ext uri="{FF2B5EF4-FFF2-40B4-BE49-F238E27FC236}">
+                <a16:creationId xmlns:a16="http://schemas.microsoft.com/office/drawing/2014/main" id="{3281AA66-EA90-4520-8363-1A16040F7DFF}"/>
+              </a:ext>
+            </a:extLst>
+          </p:cNvPr>
+          <p:cNvSpPr>
+            <a:spLocks noGrp="1"/>
+          </p:cNvSpPr>
+          <p:nvPr>
+            <p:ph type="title"/>
+          </p:nvPr>
+        </p:nvSpPr>
+        <p:spPr>
+          <a:xfrm>
+            <a:off x="838200" y="0"/>
+            <a:ext cx="10515600" cy="1325563"/>
+          </a:xfrm>
+        </p:spPr>
+        <p:txBody>
+          <a:bodyPr/>
+          <a:lstStyle/>
+          <a:p>
+            <a:pPr algn="ctr"/>
+            <a:r>
+              <a:rPr lang="pl-PL" dirty="0"/>
+              <a:t>Analiza danych</a:t>
+            </a:r>
+          </a:p>
+        </p:txBody>
+      </p:sp>
+      <p:sp>
+        <p:nvSpPr>
+          <p:cNvPr id="3" name="Symbol zastępczy zawartości 2">
+            <a:extLst>
+              <a:ext uri="{FF2B5EF4-FFF2-40B4-BE49-F238E27FC236}">
+                <a16:creationId xmlns:a16="http://schemas.microsoft.com/office/drawing/2014/main" id="{97F1899B-61B1-4A2B-8443-685AA7A4D314}"/>
+              </a:ext>
+            </a:extLst>
+          </p:cNvPr>
+          <p:cNvSpPr>
+            <a:spLocks noGrp="1"/>
+          </p:cNvSpPr>
+          <p:nvPr>
+            <p:ph idx="1"/>
+          </p:nvPr>
+        </p:nvSpPr>
+        <p:spPr>
+          <a:xfrm>
+            <a:off x="1180288" y="1086322"/>
+            <a:ext cx="10849583" cy="5606307"/>
+          </a:xfrm>
+        </p:spPr>
+        <p:txBody>
+          <a:bodyPr>
+            <a:normAutofit fontScale="40000" lnSpcReduction="20000"/>
+          </a:bodyPr>
+          <a:lstStyle/>
+          <a:p>
+            <a:pPr marL="0" indent="0">
+              <a:buNone/>
+            </a:pPr>
+            <a:r>
+              <a:rPr lang="pl-PL" sz="3000" b="1" u="sng" dirty="0"/>
+              <a:t>Read </a:t>
+            </a:r>
+            <a:r>
+              <a:rPr lang="pl-PL" sz="3000" b="1" u="sng" dirty="0" err="1"/>
+              <a:t>dataset</a:t>
+            </a:r>
+            <a:endParaRPr lang="pl-PL" sz="3000" b="1" u="sng" dirty="0"/>
+          </a:p>
+          <a:p>
+            <a:pPr marL="0" indent="0">
+              <a:buNone/>
+            </a:pPr>
+            <a:r>
+              <a:rPr lang="pl-PL" dirty="0" err="1"/>
+              <a:t>df</a:t>
+            </a:r>
+            <a:r>
+              <a:rPr lang="pl-PL" dirty="0"/>
+              <a:t> = </a:t>
+            </a:r>
+            <a:r>
+              <a:rPr lang="pl-PL" dirty="0" err="1"/>
+              <a:t>pd.read_csv</a:t>
+            </a:r>
+            <a:r>
+              <a:rPr lang="pl-PL" dirty="0"/>
+              <a:t>('data.csv')</a:t>
+            </a:r>
+          </a:p>
+          <a:p>
+            <a:endParaRPr lang="pl-PL" dirty="0"/>
+          </a:p>
+          <a:p>
+            <a:pPr marL="0" indent="0">
+              <a:buNone/>
+            </a:pPr>
+            <a:r>
+              <a:rPr lang="pl-PL" sz="3000" b="1" u="sng" dirty="0" err="1"/>
+              <a:t>Analyse</a:t>
+            </a:r>
+            <a:r>
+              <a:rPr lang="pl-PL" sz="3000" b="1" u="sng" dirty="0"/>
+              <a:t> data</a:t>
+            </a:r>
+          </a:p>
+          <a:p>
+            <a:pPr marL="0" indent="0">
+              <a:buNone/>
+            </a:pPr>
+            <a:r>
+              <a:rPr lang="pl-PL" b="1" dirty="0" err="1"/>
+              <a:t>Print</a:t>
+            </a:r>
+            <a:r>
+              <a:rPr lang="pl-PL" b="1" dirty="0"/>
+              <a:t> </a:t>
+            </a:r>
+            <a:r>
+              <a:rPr lang="pl-PL" b="1" dirty="0" err="1"/>
+              <a:t>head</a:t>
+            </a:r>
+            <a:r>
+              <a:rPr lang="pl-PL" b="1" dirty="0"/>
+              <a:t> / </a:t>
+            </a:r>
+            <a:r>
+              <a:rPr lang="pl-PL" b="1" dirty="0" err="1"/>
+              <a:t>tail</a:t>
+            </a:r>
+            <a:r>
+              <a:rPr lang="pl-PL" b="1" dirty="0"/>
+              <a:t> of </a:t>
+            </a:r>
+            <a:r>
+              <a:rPr lang="pl-PL" b="1" dirty="0" err="1"/>
+              <a:t>dataset</a:t>
+            </a:r>
+            <a:endParaRPr lang="pl-PL" b="1" dirty="0"/>
+          </a:p>
+          <a:p>
+            <a:pPr marL="0" indent="0">
+              <a:buNone/>
+            </a:pPr>
+            <a:r>
+              <a:rPr lang="pl-PL" dirty="0" err="1"/>
+              <a:t>print</a:t>
+            </a:r>
+            <a:r>
+              <a:rPr lang="pl-PL" dirty="0"/>
+              <a:t>("</a:t>
+            </a:r>
+            <a:r>
+              <a:rPr lang="pl-PL" dirty="0" err="1"/>
+              <a:t>Head</a:t>
+            </a:r>
+            <a:r>
+              <a:rPr lang="pl-PL" dirty="0"/>
+              <a:t>:\n", </a:t>
+            </a:r>
+            <a:r>
+              <a:rPr lang="pl-PL" dirty="0" err="1"/>
+              <a:t>df.head</a:t>
+            </a:r>
+            <a:r>
+              <a:rPr lang="pl-PL" dirty="0"/>
+              <a:t>(n=5))</a:t>
+            </a:r>
+          </a:p>
+          <a:p>
+            <a:pPr marL="0" indent="0">
+              <a:buNone/>
+            </a:pPr>
+            <a:r>
+              <a:rPr lang="pl-PL" dirty="0" err="1"/>
+              <a:t>print</a:t>
+            </a:r>
+            <a:r>
+              <a:rPr lang="pl-PL" dirty="0"/>
+              <a:t>("</a:t>
+            </a:r>
+            <a:r>
+              <a:rPr lang="pl-PL" dirty="0" err="1"/>
+              <a:t>Tail</a:t>
+            </a:r>
+            <a:r>
+              <a:rPr lang="pl-PL" dirty="0"/>
+              <a:t>:\n", </a:t>
+            </a:r>
+            <a:r>
+              <a:rPr lang="pl-PL" dirty="0" err="1"/>
+              <a:t>df.tail</a:t>
+            </a:r>
+            <a:r>
+              <a:rPr lang="pl-PL" dirty="0"/>
+              <a:t>(n=10))</a:t>
+            </a:r>
+          </a:p>
+          <a:p>
+            <a:endParaRPr lang="pl-PL" dirty="0"/>
+          </a:p>
+          <a:p>
+            <a:pPr marL="0" indent="0">
+              <a:buNone/>
+            </a:pPr>
+            <a:r>
+              <a:rPr lang="pl-PL" b="1" dirty="0"/>
+              <a:t>Get </a:t>
+            </a:r>
+            <a:r>
+              <a:rPr lang="pl-PL" b="1" dirty="0" err="1"/>
+              <a:t>column</a:t>
+            </a:r>
+            <a:r>
+              <a:rPr lang="pl-PL" b="1" dirty="0"/>
+              <a:t> </a:t>
+            </a:r>
+            <a:r>
+              <a:rPr lang="pl-PL" b="1" dirty="0" err="1"/>
+              <a:t>names</a:t>
+            </a:r>
+            <a:endParaRPr lang="pl-PL" b="1" dirty="0"/>
+          </a:p>
+          <a:p>
+            <a:pPr marL="0" indent="0">
+              <a:buNone/>
+            </a:pPr>
+            <a:r>
+              <a:rPr lang="pl-PL" dirty="0" err="1"/>
+              <a:t>print</a:t>
+            </a:r>
+            <a:r>
+              <a:rPr lang="pl-PL" dirty="0"/>
+              <a:t>("</a:t>
+            </a:r>
+            <a:r>
+              <a:rPr lang="pl-PL" dirty="0" err="1"/>
+              <a:t>Column</a:t>
+            </a:r>
+            <a:r>
+              <a:rPr lang="pl-PL" dirty="0"/>
+              <a:t> </a:t>
+            </a:r>
+            <a:r>
+              <a:rPr lang="pl-PL" dirty="0" err="1"/>
+              <a:t>names</a:t>
+            </a:r>
+            <a:r>
+              <a:rPr lang="pl-PL" dirty="0"/>
+              <a:t>: ", </a:t>
+            </a:r>
+            <a:r>
+              <a:rPr lang="pl-PL" dirty="0" err="1"/>
+              <a:t>df.columns</a:t>
+            </a:r>
+            <a:r>
+              <a:rPr lang="pl-PL" dirty="0"/>
+              <a:t>)</a:t>
+            </a:r>
+          </a:p>
+          <a:p>
+            <a:endParaRPr lang="pl-PL" dirty="0"/>
+          </a:p>
+          <a:p>
+            <a:pPr marL="0" indent="0">
+              <a:buNone/>
+            </a:pPr>
+            <a:r>
+              <a:rPr lang="pl-PL" b="1" dirty="0" err="1"/>
+              <a:t>Describe</a:t>
+            </a:r>
+            <a:r>
+              <a:rPr lang="pl-PL" b="1" dirty="0"/>
+              <a:t> </a:t>
+            </a:r>
+            <a:r>
+              <a:rPr lang="pl-PL" b="1" dirty="0" err="1"/>
+              <a:t>dataframe</a:t>
+            </a:r>
+            <a:endParaRPr lang="pl-PL" b="1" dirty="0"/>
+          </a:p>
+          <a:p>
+            <a:pPr marL="0" indent="0">
+              <a:buNone/>
+            </a:pPr>
+            <a:r>
+              <a:rPr lang="pl-PL" dirty="0" err="1"/>
+              <a:t>print</a:t>
+            </a:r>
+            <a:r>
+              <a:rPr lang="pl-PL" dirty="0"/>
+              <a:t>(</a:t>
+            </a:r>
+            <a:r>
+              <a:rPr lang="pl-PL" dirty="0" err="1"/>
+              <a:t>df.describe</a:t>
+            </a:r>
+            <a:r>
+              <a:rPr lang="pl-PL" dirty="0"/>
+              <a:t>())</a:t>
+            </a:r>
+          </a:p>
+          <a:p>
+            <a:endParaRPr lang="pl-PL" dirty="0"/>
+          </a:p>
+          <a:p>
+            <a:pPr marL="0" indent="0">
+              <a:buNone/>
+            </a:pPr>
+            <a:r>
+              <a:rPr lang="pl-PL" b="1" dirty="0" err="1"/>
+              <a:t>Check</a:t>
+            </a:r>
+            <a:r>
+              <a:rPr lang="pl-PL" b="1" dirty="0"/>
+              <a:t> </a:t>
+            </a:r>
+            <a:r>
+              <a:rPr lang="pl-PL" b="1" dirty="0" err="1"/>
+              <a:t>if</a:t>
+            </a:r>
+            <a:r>
+              <a:rPr lang="pl-PL" b="1" dirty="0"/>
+              <a:t> </a:t>
+            </a:r>
+            <a:r>
+              <a:rPr lang="pl-PL" b="1" dirty="0" err="1"/>
+              <a:t>dataframe</a:t>
+            </a:r>
+            <a:r>
+              <a:rPr lang="pl-PL" b="1" dirty="0"/>
+              <a:t> </a:t>
+            </a:r>
+            <a:r>
+              <a:rPr lang="pl-PL" b="1" dirty="0" err="1"/>
+              <a:t>has</a:t>
+            </a:r>
+            <a:r>
+              <a:rPr lang="pl-PL" b="1" dirty="0"/>
+              <a:t> </a:t>
+            </a:r>
+            <a:r>
+              <a:rPr lang="pl-PL" b="1" dirty="0" err="1"/>
+              <a:t>NaN</a:t>
+            </a:r>
+            <a:r>
+              <a:rPr lang="pl-PL" b="1" dirty="0"/>
+              <a:t> </a:t>
+            </a:r>
+            <a:r>
+              <a:rPr lang="pl-PL" b="1" dirty="0" err="1"/>
+              <a:t>values</a:t>
+            </a:r>
+            <a:endParaRPr lang="pl-PL" b="1" dirty="0"/>
+          </a:p>
+          <a:p>
+            <a:pPr marL="0" indent="0">
+              <a:buNone/>
+            </a:pPr>
+            <a:r>
+              <a:rPr lang="pl-PL" dirty="0" err="1"/>
+              <a:t>print</a:t>
+            </a:r>
+            <a:r>
+              <a:rPr lang="pl-PL" dirty="0"/>
+              <a:t>(</a:t>
+            </a:r>
+            <a:r>
+              <a:rPr lang="pl-PL" dirty="0" err="1"/>
+              <a:t>df.isna</a:t>
+            </a:r>
+            <a:r>
+              <a:rPr lang="pl-PL" dirty="0"/>
+              <a:t>())</a:t>
+            </a:r>
+          </a:p>
+          <a:p>
+            <a:pPr marL="0" indent="0">
+              <a:buNone/>
+            </a:pPr>
+            <a:r>
+              <a:rPr lang="pl-PL" dirty="0" err="1"/>
+              <a:t>print</a:t>
+            </a:r>
+            <a:r>
+              <a:rPr lang="pl-PL" dirty="0"/>
+              <a:t>(</a:t>
+            </a:r>
+            <a:r>
+              <a:rPr lang="pl-PL" dirty="0" err="1"/>
+              <a:t>df.isna</a:t>
+            </a:r>
+            <a:r>
+              <a:rPr lang="pl-PL" dirty="0"/>
+              <a:t>().</a:t>
+            </a:r>
+            <a:r>
+              <a:rPr lang="pl-PL" dirty="0" err="1"/>
+              <a:t>any</a:t>
+            </a:r>
+            <a:r>
+              <a:rPr lang="pl-PL" dirty="0"/>
+              <a:t>())</a:t>
+            </a:r>
+          </a:p>
+          <a:p>
+            <a:pPr marL="0" indent="0">
+              <a:buNone/>
+            </a:pPr>
+            <a:r>
+              <a:rPr lang="pl-PL" dirty="0"/>
+              <a:t>        </a:t>
+            </a:r>
+          </a:p>
+          <a:p>
+            <a:pPr marL="0" indent="0">
+              <a:buNone/>
+            </a:pPr>
+            <a:r>
+              <a:rPr lang="pl-PL" b="1" dirty="0" err="1"/>
+              <a:t>Print</a:t>
+            </a:r>
+            <a:r>
+              <a:rPr lang="pl-PL" b="1" dirty="0"/>
+              <a:t> </a:t>
+            </a:r>
+            <a:r>
+              <a:rPr lang="pl-PL" b="1" dirty="0" err="1"/>
+              <a:t>feature</a:t>
+            </a:r>
+            <a:r>
+              <a:rPr lang="pl-PL" b="1" dirty="0"/>
+              <a:t> </a:t>
+            </a:r>
+            <a:r>
+              <a:rPr lang="pl-PL" b="1" dirty="0" err="1"/>
+              <a:t>correlations</a:t>
+            </a:r>
+            <a:r>
+              <a:rPr lang="pl-PL" b="1" dirty="0"/>
+              <a:t>    </a:t>
+            </a:r>
+          </a:p>
+          <a:p>
+            <a:pPr marL="0" indent="0">
+              <a:buNone/>
+            </a:pPr>
+            <a:r>
+              <a:rPr lang="pl-PL" dirty="0" err="1"/>
+              <a:t>print</a:t>
+            </a:r>
+            <a:r>
+              <a:rPr lang="pl-PL" dirty="0"/>
+              <a:t>(</a:t>
+            </a:r>
+            <a:r>
+              <a:rPr lang="pl-PL" dirty="0" err="1"/>
+              <a:t>df</a:t>
+            </a:r>
+            <a:r>
+              <a:rPr lang="pl-PL" dirty="0"/>
+              <a:t>[['Sex', '</a:t>
+            </a:r>
+            <a:r>
+              <a:rPr lang="pl-PL" dirty="0" err="1"/>
+              <a:t>Survived</a:t>
+            </a:r>
+            <a:r>
+              <a:rPr lang="pl-PL" dirty="0"/>
+              <a:t>']].</a:t>
+            </a:r>
+            <a:r>
+              <a:rPr lang="pl-PL" dirty="0" err="1"/>
+              <a:t>groupby</a:t>
+            </a:r>
+            <a:r>
+              <a:rPr lang="pl-PL" dirty="0"/>
+              <a:t>(['Sex'], </a:t>
+            </a:r>
+            <a:r>
+              <a:rPr lang="pl-PL" dirty="0" err="1"/>
+              <a:t>as_index</a:t>
+            </a:r>
+            <a:r>
+              <a:rPr lang="pl-PL" dirty="0"/>
+              <a:t>=</a:t>
+            </a:r>
+            <a:r>
+              <a:rPr lang="pl-PL" dirty="0" err="1"/>
+              <a:t>False</a:t>
+            </a:r>
+            <a:r>
+              <a:rPr lang="pl-PL" dirty="0"/>
+              <a:t>).</a:t>
+            </a:r>
+            <a:r>
+              <a:rPr lang="pl-PL" dirty="0" err="1"/>
+              <a:t>mean</a:t>
+            </a:r>
+            <a:r>
+              <a:rPr lang="pl-PL" dirty="0"/>
+              <a:t>())</a:t>
+            </a:r>
+          </a:p>
+          <a:p>
+            <a:pPr marL="0" indent="0">
+              <a:buNone/>
+            </a:pPr>
+            <a:r>
+              <a:rPr lang="pl-PL" dirty="0" err="1"/>
+              <a:t>print</a:t>
+            </a:r>
+            <a:r>
+              <a:rPr lang="pl-PL" dirty="0"/>
+              <a:t>(</a:t>
+            </a:r>
+            <a:r>
+              <a:rPr lang="pl-PL" dirty="0" err="1"/>
+              <a:t>df</a:t>
+            </a:r>
+            <a:r>
+              <a:rPr lang="pl-PL" dirty="0"/>
+              <a:t>[['</a:t>
+            </a:r>
+            <a:r>
+              <a:rPr lang="pl-PL" dirty="0" err="1"/>
+              <a:t>Pclass</a:t>
+            </a:r>
+            <a:r>
+              <a:rPr lang="pl-PL" dirty="0"/>
+              <a:t>', '</a:t>
+            </a:r>
+            <a:r>
+              <a:rPr lang="pl-PL" dirty="0" err="1"/>
+              <a:t>Survived</a:t>
+            </a:r>
+            <a:r>
+              <a:rPr lang="pl-PL" dirty="0"/>
+              <a:t>']].</a:t>
+            </a:r>
+            <a:r>
+              <a:rPr lang="pl-PL" dirty="0" err="1"/>
+              <a:t>groupby</a:t>
+            </a:r>
+            <a:r>
+              <a:rPr lang="pl-PL" dirty="0"/>
+              <a:t>(['</a:t>
+            </a:r>
+            <a:r>
+              <a:rPr lang="pl-PL" dirty="0" err="1"/>
+              <a:t>Pclass</a:t>
+            </a:r>
+            <a:r>
+              <a:rPr lang="pl-PL" dirty="0"/>
+              <a:t>'], </a:t>
+            </a:r>
+            <a:r>
+              <a:rPr lang="pl-PL" dirty="0" err="1"/>
+              <a:t>as_index</a:t>
+            </a:r>
+            <a:r>
+              <a:rPr lang="pl-PL" dirty="0"/>
+              <a:t>=</a:t>
+            </a:r>
+            <a:r>
+              <a:rPr lang="pl-PL" dirty="0" err="1"/>
+              <a:t>False</a:t>
+            </a:r>
+            <a:r>
+              <a:rPr lang="pl-PL" dirty="0"/>
+              <a:t>).</a:t>
+            </a:r>
+            <a:r>
+              <a:rPr lang="pl-PL" dirty="0" err="1"/>
+              <a:t>mean</a:t>
+            </a:r>
+            <a:r>
+              <a:rPr lang="pl-PL" dirty="0"/>
+              <a:t>())</a:t>
+            </a:r>
+          </a:p>
+          <a:p>
+            <a:pPr marL="0" indent="0">
+              <a:buNone/>
+            </a:pPr>
+            <a:r>
+              <a:rPr lang="pl-PL" dirty="0" err="1"/>
+              <a:t>print</a:t>
+            </a:r>
+            <a:r>
+              <a:rPr lang="pl-PL" dirty="0"/>
+              <a:t>(</a:t>
+            </a:r>
+            <a:r>
+              <a:rPr lang="pl-PL" dirty="0" err="1"/>
+              <a:t>df</a:t>
+            </a:r>
+            <a:r>
+              <a:rPr lang="pl-PL" dirty="0"/>
+              <a:t>[['</a:t>
+            </a:r>
+            <a:r>
+              <a:rPr lang="pl-PL" dirty="0" err="1"/>
+              <a:t>SibSp</a:t>
+            </a:r>
+            <a:r>
+              <a:rPr lang="pl-PL" dirty="0"/>
+              <a:t>', '</a:t>
+            </a:r>
+            <a:r>
+              <a:rPr lang="pl-PL" dirty="0" err="1"/>
+              <a:t>Survived</a:t>
+            </a:r>
+            <a:r>
+              <a:rPr lang="pl-PL" dirty="0"/>
+              <a:t>']].</a:t>
+            </a:r>
+            <a:r>
+              <a:rPr lang="pl-PL" dirty="0" err="1"/>
+              <a:t>groupby</a:t>
+            </a:r>
+            <a:r>
+              <a:rPr lang="pl-PL" dirty="0"/>
+              <a:t>(['</a:t>
+            </a:r>
+            <a:r>
+              <a:rPr lang="pl-PL" dirty="0" err="1"/>
+              <a:t>SibSp</a:t>
+            </a:r>
+            <a:r>
+              <a:rPr lang="pl-PL" dirty="0"/>
+              <a:t>'], </a:t>
+            </a:r>
+            <a:r>
+              <a:rPr lang="pl-PL" dirty="0" err="1"/>
+              <a:t>as_index</a:t>
+            </a:r>
+            <a:r>
+              <a:rPr lang="pl-PL" dirty="0"/>
+              <a:t>=</a:t>
+            </a:r>
+            <a:r>
+              <a:rPr lang="pl-PL" dirty="0" err="1"/>
+              <a:t>False</a:t>
+            </a:r>
+            <a:r>
+              <a:rPr lang="pl-PL" dirty="0"/>
+              <a:t>).</a:t>
+            </a:r>
+            <a:r>
+              <a:rPr lang="pl-PL" dirty="0" err="1"/>
+              <a:t>mean</a:t>
+            </a:r>
+            <a:r>
+              <a:rPr lang="pl-PL" dirty="0"/>
+              <a:t>())</a:t>
+            </a:r>
+          </a:p>
+        </p:txBody>
+      </p:sp>
+    </p:spTree>
+    <p:extLst>
+      <p:ext uri="{BB962C8B-B14F-4D97-AF65-F5344CB8AC3E}">
+        <p14:creationId xmlns:p14="http://schemas.microsoft.com/office/powerpoint/2010/main" val="3943070145"/>
+      </p:ext>
+    </p:extLst>
+  </p:cSld>
+  <p:clrMapOvr>
+    <a:masterClrMapping/>
+  </p:clrMapOvr>
+</p:sld>
+</file>
+
+<file path=ppt/slides/slide15.xml><?xml version="1.0" encoding="utf-8"?>
+<p:sld xmlns:a="http://schemas.openxmlformats.org/drawingml/2006/main" xmlns:r="http://schemas.openxmlformats.org/officeDocument/2006/relationships" xmlns:p="http://schemas.openxmlformats.org/presentationml/2006/main">
+  <p:cSld>
+    <p:spTree>
+      <p:nvGrpSpPr>
+        <p:cNvPr id="1" name=""/>
+        <p:cNvGrpSpPr/>
+        <p:nvPr/>
+      </p:nvGrpSpPr>
+      <p:grpSpPr>
+        <a:xfrm>
+          <a:off x="0" y="0"/>
+          <a:ext cx="0" cy="0"/>
+          <a:chOff x="0" y="0"/>
+          <a:chExt cx="0" cy="0"/>
+        </a:xfrm>
+      </p:grpSpPr>
+      <p:sp>
+        <p:nvSpPr>
+          <p:cNvPr id="2" name="Tytuł 1">
+            <a:extLst>
+              <a:ext uri="{FF2B5EF4-FFF2-40B4-BE49-F238E27FC236}">
+                <a16:creationId xmlns:a16="http://schemas.microsoft.com/office/drawing/2014/main" id="{3281AA66-EA90-4520-8363-1A16040F7DFF}"/>
+              </a:ext>
+            </a:extLst>
+          </p:cNvPr>
+          <p:cNvSpPr>
+            <a:spLocks noGrp="1"/>
+          </p:cNvSpPr>
+          <p:nvPr>
+            <p:ph type="title"/>
+          </p:nvPr>
+        </p:nvSpPr>
+        <p:spPr>
+          <a:xfrm>
+            <a:off x="838200" y="0"/>
+            <a:ext cx="10515600" cy="1325563"/>
+          </a:xfrm>
+        </p:spPr>
+        <p:txBody>
+          <a:bodyPr/>
+          <a:lstStyle/>
+          <a:p>
+            <a:pPr algn="ctr"/>
+            <a:r>
+              <a:rPr lang="pl-PL" dirty="0" err="1"/>
+              <a:t>Preprocessing</a:t>
+            </a:r>
+            <a:r>
+              <a:rPr lang="pl-PL" dirty="0"/>
+              <a:t> danych</a:t>
+            </a:r>
+          </a:p>
+        </p:txBody>
+      </p:sp>
+      <p:sp>
+        <p:nvSpPr>
+          <p:cNvPr id="3" name="Symbol zastępczy zawartości 2">
+            <a:extLst>
+              <a:ext uri="{FF2B5EF4-FFF2-40B4-BE49-F238E27FC236}">
+                <a16:creationId xmlns:a16="http://schemas.microsoft.com/office/drawing/2014/main" id="{97F1899B-61B1-4A2B-8443-685AA7A4D314}"/>
+              </a:ext>
+            </a:extLst>
+          </p:cNvPr>
+          <p:cNvSpPr>
+            <a:spLocks noGrp="1"/>
+          </p:cNvSpPr>
+          <p:nvPr>
+            <p:ph idx="1"/>
+          </p:nvPr>
+        </p:nvSpPr>
+        <p:spPr>
+          <a:xfrm>
+            <a:off x="1180288" y="1086322"/>
+            <a:ext cx="10849583" cy="5606307"/>
+          </a:xfrm>
+        </p:spPr>
+        <p:txBody>
+          <a:bodyPr>
+            <a:noAutofit/>
+          </a:bodyPr>
+          <a:lstStyle/>
+          <a:p>
+            <a:pPr marL="0" indent="0">
+              <a:lnSpc>
+                <a:spcPts val="1500"/>
+              </a:lnSpc>
+              <a:buNone/>
+            </a:pPr>
+            <a:r>
+              <a:rPr lang="pl-PL" sz="1200" b="1" dirty="0"/>
+              <a:t>Drop </a:t>
+            </a:r>
+            <a:r>
+              <a:rPr lang="pl-PL" sz="1200" b="1" dirty="0" err="1"/>
+              <a:t>column</a:t>
+            </a:r>
+            <a:r>
+              <a:rPr lang="pl-PL" sz="1200" b="1" dirty="0"/>
+              <a:t> / </a:t>
+            </a:r>
+            <a:r>
+              <a:rPr lang="pl-PL" sz="1200" b="1" dirty="0" err="1"/>
+              <a:t>row</a:t>
+            </a:r>
+            <a:endParaRPr lang="pl-PL" sz="1200" b="1" dirty="0"/>
+          </a:p>
+          <a:p>
+            <a:pPr marL="0" indent="0">
+              <a:lnSpc>
+                <a:spcPts val="1500"/>
+              </a:lnSpc>
+              <a:buNone/>
+            </a:pPr>
+            <a:r>
+              <a:rPr lang="pl-PL" sz="1100" dirty="0" err="1"/>
+              <a:t>df</a:t>
+            </a:r>
+            <a:r>
+              <a:rPr lang="pl-PL" sz="1100" dirty="0"/>
+              <a:t> = </a:t>
+            </a:r>
+            <a:r>
+              <a:rPr lang="pl-PL" sz="1100" dirty="0" err="1"/>
+              <a:t>df.drop</a:t>
+            </a:r>
+            <a:r>
+              <a:rPr lang="pl-PL" sz="1100" dirty="0"/>
+              <a:t>(['</a:t>
+            </a:r>
+            <a:r>
+              <a:rPr lang="pl-PL" sz="1100" dirty="0" err="1"/>
+              <a:t>PassengerId</a:t>
+            </a:r>
+            <a:r>
+              <a:rPr lang="pl-PL" sz="1100" dirty="0"/>
+              <a:t>', '</a:t>
+            </a:r>
+            <a:r>
+              <a:rPr lang="pl-PL" sz="1100" dirty="0" err="1"/>
+              <a:t>Ticket</a:t>
+            </a:r>
+            <a:r>
+              <a:rPr lang="pl-PL" sz="1100" dirty="0"/>
+              <a:t>'], </a:t>
+            </a:r>
+            <a:r>
+              <a:rPr lang="pl-PL" sz="1100" dirty="0" err="1"/>
+              <a:t>axis</a:t>
+            </a:r>
+            <a:r>
+              <a:rPr lang="pl-PL" sz="1100" dirty="0"/>
+              <a:t>=1) 	# </a:t>
+            </a:r>
+            <a:r>
+              <a:rPr lang="pl-PL" sz="1100" dirty="0" err="1"/>
+              <a:t>Column</a:t>
+            </a:r>
+            <a:br>
+              <a:rPr lang="pl-PL" sz="1100" dirty="0"/>
+            </a:br>
+            <a:r>
+              <a:rPr lang="pl-PL" sz="1100" dirty="0" err="1"/>
+              <a:t>df</a:t>
+            </a:r>
+            <a:r>
+              <a:rPr lang="pl-PL" sz="1100" dirty="0"/>
+              <a:t> = </a:t>
+            </a:r>
+            <a:r>
+              <a:rPr lang="pl-PL" sz="1100" dirty="0" err="1"/>
+              <a:t>df.drop</a:t>
+            </a:r>
+            <a:r>
+              <a:rPr lang="pl-PL" sz="1100" dirty="0"/>
+              <a:t>(0, </a:t>
+            </a:r>
+            <a:r>
+              <a:rPr lang="pl-PL" sz="1100" dirty="0" err="1"/>
+              <a:t>axis</a:t>
+            </a:r>
+            <a:r>
+              <a:rPr lang="pl-PL" sz="1100" dirty="0"/>
+              <a:t>=0)                                       	# </a:t>
+            </a:r>
+            <a:r>
+              <a:rPr lang="pl-PL" sz="1100" dirty="0" err="1"/>
+              <a:t>Row</a:t>
+            </a:r>
+            <a:r>
+              <a:rPr lang="pl-PL" sz="1100" dirty="0"/>
+              <a:t> #0</a:t>
+            </a:r>
+            <a:endParaRPr lang="pl-PL" sz="1200" b="1" u="sng" dirty="0"/>
+          </a:p>
+          <a:p>
+            <a:pPr marL="0" indent="0">
+              <a:lnSpc>
+                <a:spcPts val="1500"/>
+              </a:lnSpc>
+              <a:buNone/>
+            </a:pPr>
+            <a:r>
+              <a:rPr lang="pl-PL" sz="1200" b="1" dirty="0"/>
+              <a:t>Drop </a:t>
+            </a:r>
+            <a:r>
+              <a:rPr lang="pl-PL" sz="1200" b="1" dirty="0" err="1"/>
+              <a:t>rows</a:t>
+            </a:r>
+            <a:r>
+              <a:rPr lang="pl-PL" sz="1200" b="1" dirty="0"/>
+              <a:t> with </a:t>
+            </a:r>
+            <a:r>
+              <a:rPr lang="pl-PL" sz="1200" b="1" dirty="0" err="1"/>
+              <a:t>any</a:t>
+            </a:r>
+            <a:r>
+              <a:rPr lang="pl-PL" sz="1200" b="1" dirty="0"/>
+              <a:t> </a:t>
+            </a:r>
+            <a:r>
+              <a:rPr lang="pl-PL" sz="1200" b="1" dirty="0" err="1"/>
+              <a:t>NaN</a:t>
+            </a:r>
+            <a:r>
+              <a:rPr lang="pl-PL" sz="1200" b="1" dirty="0"/>
+              <a:t> </a:t>
+            </a:r>
+            <a:r>
+              <a:rPr lang="pl-PL" sz="1200" b="1" dirty="0" err="1"/>
+              <a:t>value</a:t>
+            </a:r>
+            <a:endParaRPr lang="pl-PL" sz="1200" b="1" dirty="0"/>
+          </a:p>
+          <a:p>
+            <a:pPr marL="0" indent="0">
+              <a:lnSpc>
+                <a:spcPts val="1500"/>
+              </a:lnSpc>
+              <a:buNone/>
+            </a:pPr>
+            <a:r>
+              <a:rPr lang="pl-PL" sz="1100" dirty="0" err="1"/>
+              <a:t>df</a:t>
+            </a:r>
+            <a:r>
+              <a:rPr lang="pl-PL" sz="1100" dirty="0"/>
+              <a:t> = </a:t>
+            </a:r>
+            <a:r>
+              <a:rPr lang="pl-PL" sz="1100" dirty="0" err="1"/>
+              <a:t>df.dropna</a:t>
+            </a:r>
+            <a:r>
+              <a:rPr lang="pl-PL" sz="1100" dirty="0"/>
+              <a:t>()</a:t>
+            </a:r>
+            <a:endParaRPr lang="pl-PL" sz="1200" b="1" u="sng" dirty="0"/>
+          </a:p>
+          <a:p>
+            <a:pPr marL="0" indent="0">
+              <a:lnSpc>
+                <a:spcPts val="1500"/>
+              </a:lnSpc>
+              <a:buNone/>
+            </a:pPr>
+            <a:r>
+              <a:rPr lang="pl-PL" sz="1200" b="1" dirty="0" err="1"/>
+              <a:t>Fill</a:t>
+            </a:r>
+            <a:r>
+              <a:rPr lang="pl-PL" sz="1200" b="1" dirty="0"/>
+              <a:t> </a:t>
+            </a:r>
+            <a:r>
+              <a:rPr lang="pl-PL" sz="1200" b="1" dirty="0" err="1"/>
+              <a:t>NaN</a:t>
+            </a:r>
+            <a:r>
+              <a:rPr lang="pl-PL" sz="1200" b="1" dirty="0"/>
+              <a:t> </a:t>
+            </a:r>
+            <a:r>
+              <a:rPr lang="pl-PL" sz="1200" b="1" dirty="0" err="1"/>
+              <a:t>values</a:t>
+            </a:r>
+            <a:endParaRPr lang="pl-PL" sz="1200" b="1" dirty="0"/>
+          </a:p>
+          <a:p>
+            <a:pPr marL="0" indent="0">
+              <a:lnSpc>
+                <a:spcPts val="1500"/>
+              </a:lnSpc>
+              <a:buNone/>
+            </a:pPr>
+            <a:r>
+              <a:rPr lang="pl-PL" sz="1100" dirty="0" err="1"/>
+              <a:t>df</a:t>
+            </a:r>
+            <a:r>
+              <a:rPr lang="pl-PL" sz="1100" dirty="0"/>
+              <a:t>['Age'] = </a:t>
+            </a:r>
+            <a:r>
+              <a:rPr lang="pl-PL" sz="1100" dirty="0" err="1"/>
+              <a:t>df</a:t>
+            </a:r>
+            <a:r>
+              <a:rPr lang="pl-PL" sz="1100" dirty="0"/>
+              <a:t>['Age'].</a:t>
+            </a:r>
+            <a:r>
+              <a:rPr lang="pl-PL" sz="1100" dirty="0" err="1"/>
+              <a:t>fillna</a:t>
+            </a:r>
+            <a:r>
+              <a:rPr lang="pl-PL" sz="1100" dirty="0"/>
+              <a:t>(</a:t>
+            </a:r>
+            <a:r>
+              <a:rPr lang="pl-PL" sz="1100" dirty="0" err="1"/>
+              <a:t>df</a:t>
+            </a:r>
+            <a:r>
+              <a:rPr lang="pl-PL" sz="1100" dirty="0"/>
+              <a:t>['Age'].</a:t>
+            </a:r>
+            <a:r>
+              <a:rPr lang="pl-PL" sz="1100" dirty="0" err="1"/>
+              <a:t>dropna</a:t>
+            </a:r>
+            <a:r>
+              <a:rPr lang="pl-PL" sz="1100" dirty="0"/>
+              <a:t>().median())  	 # </a:t>
+            </a:r>
+            <a:r>
+              <a:rPr lang="pl-PL" sz="1100" dirty="0" err="1"/>
+              <a:t>Fill</a:t>
+            </a:r>
+            <a:r>
+              <a:rPr lang="pl-PL" sz="1100" dirty="0"/>
+              <a:t> 'Age' with median</a:t>
+            </a:r>
+            <a:br>
+              <a:rPr lang="pl-PL" sz="1100" dirty="0"/>
+            </a:br>
+            <a:r>
+              <a:rPr lang="pl-PL" sz="1100" dirty="0" err="1"/>
+              <a:t>df</a:t>
+            </a:r>
+            <a:r>
+              <a:rPr lang="pl-PL" sz="1100" dirty="0"/>
+              <a:t>['Age'] = </a:t>
+            </a:r>
+            <a:r>
+              <a:rPr lang="pl-PL" sz="1100" dirty="0" err="1"/>
+              <a:t>df</a:t>
+            </a:r>
+            <a:r>
+              <a:rPr lang="pl-PL" sz="1100" dirty="0"/>
+              <a:t>['Age'].</a:t>
+            </a:r>
+            <a:r>
+              <a:rPr lang="pl-PL" sz="1100" dirty="0" err="1"/>
+              <a:t>fillna</a:t>
+            </a:r>
+            <a:r>
+              <a:rPr lang="pl-PL" sz="1100" dirty="0"/>
+              <a:t>(</a:t>
+            </a:r>
+            <a:r>
+              <a:rPr lang="pl-PL" sz="1100" dirty="0" err="1"/>
+              <a:t>method</a:t>
+            </a:r>
+            <a:r>
+              <a:rPr lang="pl-PL" sz="1100" dirty="0"/>
+              <a:t>='</a:t>
+            </a:r>
+            <a:r>
+              <a:rPr lang="pl-PL" sz="1100" dirty="0" err="1"/>
+              <a:t>ffill</a:t>
+            </a:r>
+            <a:r>
+              <a:rPr lang="pl-PL" sz="1100" dirty="0"/>
+              <a:t>')                	 # </a:t>
+            </a:r>
+            <a:r>
+              <a:rPr lang="pl-PL" sz="1100" dirty="0" err="1"/>
+              <a:t>ffill</a:t>
+            </a:r>
+            <a:r>
+              <a:rPr lang="pl-PL" sz="1100" dirty="0"/>
+              <a:t> = </a:t>
+            </a:r>
+            <a:r>
+              <a:rPr lang="pl-PL" sz="1100" dirty="0" err="1"/>
+              <a:t>forward</a:t>
+            </a:r>
+            <a:r>
+              <a:rPr lang="pl-PL" sz="1100" dirty="0"/>
+              <a:t> </a:t>
+            </a:r>
+            <a:r>
+              <a:rPr lang="pl-PL" sz="1100" dirty="0" err="1"/>
+              <a:t>fill</a:t>
+            </a:r>
+            <a:r>
+              <a:rPr lang="pl-PL" sz="1100" dirty="0"/>
+              <a:t> ; </a:t>
+            </a:r>
+            <a:r>
+              <a:rPr lang="pl-PL" sz="1100" dirty="0" err="1"/>
+              <a:t>bfill</a:t>
+            </a:r>
+            <a:r>
+              <a:rPr lang="pl-PL" sz="1100" dirty="0"/>
+              <a:t> = </a:t>
+            </a:r>
+            <a:r>
+              <a:rPr lang="pl-PL" sz="1100" dirty="0" err="1"/>
+              <a:t>backward</a:t>
+            </a:r>
+            <a:r>
+              <a:rPr lang="pl-PL" sz="1100" dirty="0"/>
+              <a:t> </a:t>
+            </a:r>
+            <a:r>
+              <a:rPr lang="pl-PL" sz="1100" dirty="0" err="1"/>
+              <a:t>fill</a:t>
+            </a:r>
+            <a:endParaRPr lang="pl-PL" sz="1200" b="1" u="sng" dirty="0"/>
+          </a:p>
+          <a:p>
+            <a:pPr marL="0" indent="0">
+              <a:lnSpc>
+                <a:spcPts val="1500"/>
+              </a:lnSpc>
+              <a:buNone/>
+            </a:pPr>
+            <a:r>
+              <a:rPr lang="pl-PL" sz="1200" b="1" dirty="0" err="1"/>
+              <a:t>Categorical</a:t>
+            </a:r>
+            <a:r>
+              <a:rPr lang="pl-PL" sz="1200" b="1" dirty="0"/>
+              <a:t> </a:t>
+            </a:r>
+            <a:r>
+              <a:rPr lang="pl-PL" sz="1200" b="1" dirty="0" err="1"/>
+              <a:t>feature</a:t>
+            </a:r>
+            <a:r>
+              <a:rPr lang="pl-PL" sz="1200" b="1" dirty="0"/>
+              <a:t> </a:t>
+            </a:r>
+            <a:r>
+              <a:rPr lang="pl-PL" sz="1200" b="1" dirty="0" err="1"/>
+              <a:t>normalization</a:t>
+            </a:r>
+            <a:endParaRPr lang="pl-PL" sz="1200" b="1" dirty="0"/>
+          </a:p>
+          <a:p>
+            <a:pPr marL="0" indent="0">
+              <a:lnSpc>
+                <a:spcPts val="1500"/>
+              </a:lnSpc>
+              <a:buNone/>
+            </a:pPr>
+            <a:r>
+              <a:rPr lang="pl-PL" sz="1100" dirty="0" err="1"/>
+              <a:t>df</a:t>
+            </a:r>
+            <a:r>
+              <a:rPr lang="pl-PL" sz="1100" dirty="0"/>
+              <a:t>['</a:t>
+            </a:r>
+            <a:r>
+              <a:rPr lang="pl-PL" sz="1100" dirty="0" err="1"/>
+              <a:t>Embarked</a:t>
+            </a:r>
+            <a:r>
+              <a:rPr lang="pl-PL" sz="1100" dirty="0"/>
+              <a:t>'] = </a:t>
+            </a:r>
+            <a:r>
+              <a:rPr lang="pl-PL" sz="1100" dirty="0" err="1"/>
+              <a:t>LabelEncoder</a:t>
+            </a:r>
+            <a:r>
+              <a:rPr lang="pl-PL" sz="1100" dirty="0"/>
+              <a:t>().</a:t>
+            </a:r>
+            <a:r>
+              <a:rPr lang="pl-PL" sz="1100" dirty="0" err="1"/>
+              <a:t>fit_transform</a:t>
+            </a:r>
+            <a:r>
+              <a:rPr lang="pl-PL" sz="1100" dirty="0"/>
+              <a:t>(</a:t>
+            </a:r>
+            <a:r>
+              <a:rPr lang="pl-PL" sz="1100" dirty="0" err="1"/>
+              <a:t>df</a:t>
+            </a:r>
+            <a:r>
+              <a:rPr lang="pl-PL" sz="1100" dirty="0"/>
+              <a:t>['</a:t>
+            </a:r>
+            <a:r>
+              <a:rPr lang="pl-PL" sz="1100" dirty="0" err="1"/>
+              <a:t>Embarked</a:t>
+            </a:r>
+            <a:r>
+              <a:rPr lang="pl-PL" sz="1100" dirty="0"/>
+              <a:t>'])</a:t>
+            </a:r>
+          </a:p>
+          <a:p>
+            <a:pPr marL="0" indent="0">
+              <a:lnSpc>
+                <a:spcPts val="1500"/>
+              </a:lnSpc>
+              <a:buNone/>
+            </a:pPr>
+            <a:r>
+              <a:rPr lang="pl-PL" sz="1200" b="1" dirty="0" err="1"/>
+              <a:t>Cast</a:t>
+            </a:r>
+            <a:r>
+              <a:rPr lang="pl-PL" sz="1200" b="1" dirty="0"/>
+              <a:t> </a:t>
+            </a:r>
+            <a:r>
+              <a:rPr lang="pl-PL" sz="1200" b="1" dirty="0" err="1"/>
+              <a:t>values</a:t>
+            </a:r>
+            <a:r>
+              <a:rPr lang="pl-PL" sz="1200" b="1" dirty="0"/>
+              <a:t> to </a:t>
+            </a:r>
+            <a:r>
+              <a:rPr lang="pl-PL" sz="1200" b="1" dirty="0" err="1"/>
+              <a:t>specified</a:t>
+            </a:r>
+            <a:r>
+              <a:rPr lang="pl-PL" sz="1200" b="1" dirty="0"/>
+              <a:t> format</a:t>
+            </a:r>
+          </a:p>
+          <a:p>
+            <a:pPr marL="0" indent="0">
+              <a:lnSpc>
+                <a:spcPts val="1500"/>
+              </a:lnSpc>
+              <a:buNone/>
+            </a:pPr>
+            <a:r>
+              <a:rPr lang="pl-PL" sz="1100" dirty="0" err="1"/>
+              <a:t>df</a:t>
+            </a:r>
+            <a:r>
+              <a:rPr lang="pl-PL" sz="1100" dirty="0"/>
+              <a:t>['Age'] = </a:t>
+            </a:r>
+            <a:r>
+              <a:rPr lang="pl-PL" sz="1100" dirty="0" err="1"/>
+              <a:t>df</a:t>
+            </a:r>
+            <a:r>
+              <a:rPr lang="pl-PL" sz="1100" dirty="0"/>
+              <a:t>['Age'].</a:t>
+            </a:r>
+            <a:r>
+              <a:rPr lang="pl-PL" sz="1100" dirty="0" err="1"/>
+              <a:t>astype</a:t>
+            </a:r>
+            <a:r>
+              <a:rPr lang="pl-PL" sz="1100" dirty="0"/>
+              <a:t>('</a:t>
+            </a:r>
+            <a:r>
+              <a:rPr lang="pl-PL" sz="1100" dirty="0" err="1"/>
+              <a:t>int</a:t>
+            </a:r>
+            <a:r>
+              <a:rPr lang="pl-PL" sz="1100" dirty="0"/>
+              <a:t>')</a:t>
+            </a:r>
+          </a:p>
+          <a:p>
+            <a:pPr marL="0" indent="0">
+              <a:lnSpc>
+                <a:spcPts val="1500"/>
+              </a:lnSpc>
+              <a:buNone/>
+            </a:pPr>
+            <a:r>
+              <a:rPr lang="pl-PL" sz="1200" b="1" dirty="0"/>
+              <a:t>New </a:t>
+            </a:r>
+            <a:r>
+              <a:rPr lang="pl-PL" sz="1200" b="1" dirty="0" err="1"/>
+              <a:t>features</a:t>
+            </a:r>
+            <a:r>
+              <a:rPr lang="pl-PL" sz="1200" b="1" dirty="0"/>
+              <a:t> (</a:t>
+            </a:r>
+            <a:r>
+              <a:rPr lang="pl-PL" sz="1200" b="1" dirty="0" err="1"/>
+              <a:t>using</a:t>
+            </a:r>
+            <a:r>
+              <a:rPr lang="pl-PL" sz="1200" b="1" dirty="0"/>
+              <a:t> list </a:t>
+            </a:r>
+            <a:r>
+              <a:rPr lang="pl-PL" sz="1200" b="1" dirty="0" err="1"/>
+              <a:t>comprehension</a:t>
+            </a:r>
+            <a:r>
+              <a:rPr lang="pl-PL" sz="1200" b="1" dirty="0"/>
+              <a:t>)</a:t>
+            </a:r>
+          </a:p>
+          <a:p>
+            <a:pPr marL="0" indent="0">
+              <a:lnSpc>
+                <a:spcPts val="1500"/>
+              </a:lnSpc>
+              <a:buNone/>
+            </a:pPr>
+            <a:r>
+              <a:rPr lang="pl-PL" sz="1100" dirty="0" err="1"/>
+              <a:t>df</a:t>
+            </a:r>
+            <a:r>
+              <a:rPr lang="pl-PL" sz="1100" dirty="0"/>
+              <a:t>['</a:t>
+            </a:r>
+            <a:r>
+              <a:rPr lang="pl-PL" sz="1100" dirty="0" err="1"/>
+              <a:t>Age_child</a:t>
+            </a:r>
+            <a:r>
+              <a:rPr lang="pl-PL" sz="1100" dirty="0"/>
+              <a:t>'] = [</a:t>
+            </a:r>
+            <a:r>
+              <a:rPr lang="pl-PL" sz="1100" dirty="0" err="1"/>
+              <a:t>int</a:t>
+            </a:r>
+            <a:r>
+              <a:rPr lang="pl-PL" sz="1100" dirty="0"/>
+              <a:t>(x&lt;18) for x in </a:t>
+            </a:r>
+            <a:r>
+              <a:rPr lang="pl-PL" sz="1100" dirty="0" err="1"/>
+              <a:t>df</a:t>
+            </a:r>
+            <a:r>
+              <a:rPr lang="pl-PL" sz="1100" dirty="0"/>
+              <a:t>['Age’]]</a:t>
+            </a:r>
+            <a:br>
+              <a:rPr lang="pl-PL" sz="1100" dirty="0"/>
+            </a:br>
+            <a:r>
+              <a:rPr lang="pl-PL" sz="1100" dirty="0" err="1"/>
+              <a:t>df</a:t>
+            </a:r>
+            <a:r>
+              <a:rPr lang="pl-PL" sz="1100" dirty="0"/>
+              <a:t>['</a:t>
+            </a:r>
+            <a:r>
+              <a:rPr lang="pl-PL" sz="1100" dirty="0" err="1"/>
+              <a:t>Age_adult</a:t>
+            </a:r>
+            <a:r>
+              <a:rPr lang="pl-PL" sz="1100" dirty="0"/>
+              <a:t>'] = [</a:t>
+            </a:r>
+            <a:r>
+              <a:rPr lang="pl-PL" sz="1100" dirty="0" err="1"/>
+              <a:t>int</a:t>
+            </a:r>
+            <a:r>
+              <a:rPr lang="pl-PL" sz="1100" dirty="0"/>
+              <a:t>(x&gt;=18) for x in </a:t>
+            </a:r>
+            <a:r>
+              <a:rPr lang="pl-PL" sz="1100" dirty="0" err="1"/>
+              <a:t>df</a:t>
+            </a:r>
+            <a:r>
+              <a:rPr lang="pl-PL" sz="1100" dirty="0"/>
+              <a:t>['Age’]]</a:t>
+            </a:r>
+          </a:p>
+          <a:p>
+            <a:pPr marL="0" indent="0">
+              <a:lnSpc>
+                <a:spcPts val="1500"/>
+              </a:lnSpc>
+              <a:buNone/>
+            </a:pPr>
+            <a:r>
+              <a:rPr lang="pl-PL" sz="1200" b="1" dirty="0" err="1"/>
+              <a:t>Scale</a:t>
+            </a:r>
+            <a:r>
+              <a:rPr lang="pl-PL" sz="1200" b="1" dirty="0"/>
+              <a:t> </a:t>
+            </a:r>
+            <a:r>
+              <a:rPr lang="pl-PL" sz="1200" b="1" dirty="0" err="1"/>
+              <a:t>values</a:t>
+            </a:r>
+            <a:endParaRPr lang="pl-PL" sz="1200" b="1" dirty="0"/>
+          </a:p>
+          <a:p>
+            <a:pPr marL="0" indent="0">
+              <a:lnSpc>
+                <a:spcPts val="1500"/>
+              </a:lnSpc>
+              <a:buNone/>
+            </a:pPr>
+            <a:r>
+              <a:rPr lang="en-US" sz="1200" dirty="0"/>
+              <a:t>from </a:t>
+            </a:r>
+            <a:r>
+              <a:rPr lang="en-US" sz="1200" dirty="0" err="1"/>
+              <a:t>sklearn.preprocessing</a:t>
+            </a:r>
+            <a:r>
+              <a:rPr lang="en-US" sz="1200" dirty="0"/>
+              <a:t> import </a:t>
+            </a:r>
+            <a:r>
+              <a:rPr lang="en-US" sz="1200" dirty="0" err="1"/>
+              <a:t>MinMaxScaler</a:t>
+            </a:r>
+            <a:br>
+              <a:rPr lang="pl-PL" sz="1200" dirty="0"/>
+            </a:br>
+            <a:r>
+              <a:rPr lang="pl-PL" sz="1100" dirty="0" err="1"/>
+              <a:t>df</a:t>
+            </a:r>
+            <a:r>
+              <a:rPr lang="pl-PL" sz="1100" dirty="0"/>
+              <a:t>[['Age', '</a:t>
+            </a:r>
+            <a:r>
+              <a:rPr lang="pl-PL" sz="1100" dirty="0" err="1"/>
+              <a:t>Fare</a:t>
+            </a:r>
+            <a:r>
+              <a:rPr lang="pl-PL" sz="1100" dirty="0"/>
+              <a:t>']] = </a:t>
+            </a:r>
+            <a:r>
+              <a:rPr lang="pl-PL" sz="1100" dirty="0" err="1"/>
+              <a:t>MinMaxScaler</a:t>
+            </a:r>
+            <a:r>
+              <a:rPr lang="pl-PL" sz="1100" dirty="0"/>
+              <a:t>().</a:t>
+            </a:r>
+            <a:r>
+              <a:rPr lang="pl-PL" sz="1100" dirty="0" err="1"/>
+              <a:t>fit_transform</a:t>
+            </a:r>
+            <a:r>
+              <a:rPr lang="pl-PL" sz="1100" dirty="0"/>
+              <a:t>(</a:t>
+            </a:r>
+            <a:r>
+              <a:rPr lang="pl-PL" sz="1100" dirty="0" err="1"/>
+              <a:t>df</a:t>
+            </a:r>
+            <a:r>
+              <a:rPr lang="pl-PL" sz="1100" dirty="0"/>
+              <a:t>[['Age', '</a:t>
+            </a:r>
+            <a:r>
+              <a:rPr lang="pl-PL" sz="1100" dirty="0" err="1"/>
+              <a:t>Fare</a:t>
+            </a:r>
+            <a:r>
+              <a:rPr lang="pl-PL" sz="1100" dirty="0"/>
+              <a:t>']])</a:t>
+            </a:r>
+          </a:p>
+          <a:p>
+            <a:pPr marL="0" indent="0">
+              <a:buNone/>
+            </a:pPr>
+            <a:endParaRPr lang="pl-PL" sz="1100" dirty="0"/>
+          </a:p>
+        </p:txBody>
+      </p:sp>
+    </p:spTree>
+    <p:extLst>
+      <p:ext uri="{BB962C8B-B14F-4D97-AF65-F5344CB8AC3E}">
+        <p14:creationId xmlns:p14="http://schemas.microsoft.com/office/powerpoint/2010/main" val="3838505248"/>
+      </p:ext>
+    </p:extLst>
+  </p:cSld>
+  <p:clrMapOvr>
+    <a:masterClrMapping/>
+  </p:clrMapOvr>
+</p:sld>
+</file>
+
+<file path=ppt/slides/slide2.xml><?xml version="1.0" encoding="utf-8"?>
+<p:sld xmlns:a="http://schemas.openxmlformats.org/drawingml/2006/main" xmlns:r="http://schemas.openxmlformats.org/officeDocument/2006/relationships" xmlns:p="http://schemas.openxmlformats.org/presentationml/2006/main">
+  <p:cSld>
+    <p:spTree>
+      <p:nvGrpSpPr>
+        <p:cNvPr id="1" name=""/>
+        <p:cNvGrpSpPr/>
+        <p:nvPr/>
+      </p:nvGrpSpPr>
+      <p:grpSpPr>
+        <a:xfrm>
+          <a:off x="0" y="0"/>
+          <a:ext cx="0" cy="0"/>
+          <a:chOff x="0" y="0"/>
+          <a:chExt cx="0" cy="0"/>
+        </a:xfrm>
+      </p:grpSpPr>
+      <p:sp>
+        <p:nvSpPr>
+          <p:cNvPr id="2" name="Tytuł 1">
+            <a:extLst>
+              <a:ext uri="{FF2B5EF4-FFF2-40B4-BE49-F238E27FC236}">
+                <a16:creationId xmlns:a16="http://schemas.microsoft.com/office/drawing/2014/main" id="{6E9A9502-310D-46DF-BAB9-0D190F536C62}"/>
+              </a:ext>
+            </a:extLst>
+          </p:cNvPr>
+          <p:cNvSpPr>
+            <a:spLocks noGrp="1"/>
+          </p:cNvSpPr>
+          <p:nvPr>
+            <p:ph type="title"/>
+          </p:nvPr>
+        </p:nvSpPr>
+        <p:spPr>
+          <a:xfrm>
+            <a:off x="838200" y="0"/>
+            <a:ext cx="10515600" cy="1325563"/>
+          </a:xfrm>
+        </p:spPr>
+        <p:txBody>
+          <a:bodyPr/>
+          <a:lstStyle/>
+          <a:p>
+            <a:pPr algn="ctr"/>
+            <a:r>
+              <a:rPr lang="pl-PL" dirty="0" err="1"/>
+              <a:t>Overfitting</a:t>
+            </a:r>
+            <a:endParaRPr lang="pl-PL" dirty="0"/>
+          </a:p>
+        </p:txBody>
+      </p:sp>
+      <p:pic>
+        <p:nvPicPr>
+          <p:cNvPr id="5" name="Obraz 4">
+            <a:extLst>
+              <a:ext uri="{FF2B5EF4-FFF2-40B4-BE49-F238E27FC236}">
+                <a16:creationId xmlns:a16="http://schemas.microsoft.com/office/drawing/2014/main" id="{42D7DA6B-DDCB-477B-9018-4990850BDB3B}"/>
+              </a:ext>
+            </a:extLst>
+          </p:cNvPr>
+          <p:cNvPicPr>
+            <a:picLocks noChangeAspect="1"/>
+          </p:cNvPicPr>
+          <p:nvPr/>
+        </p:nvPicPr>
+        <p:blipFill>
+          <a:blip r:embed="rId2"/>
+          <a:stretch>
+            <a:fillRect/>
+          </a:stretch>
+        </p:blipFill>
+        <p:spPr>
+          <a:xfrm>
+            <a:off x="313294" y="1936188"/>
+            <a:ext cx="11565412" cy="4130504"/>
+          </a:xfrm>
+          <a:prstGeom prst="rect">
+            <a:avLst/>
+          </a:prstGeom>
+        </p:spPr>
+      </p:pic>
+    </p:spTree>
+    <p:extLst>
+      <p:ext uri="{BB962C8B-B14F-4D97-AF65-F5344CB8AC3E}">
+        <p14:creationId xmlns:p14="http://schemas.microsoft.com/office/powerpoint/2010/main" val="1341671388"/>
+      </p:ext>
+    </p:extLst>
+  </p:cSld>
+  <p:clrMapOvr>
+    <a:masterClrMapping/>
+  </p:clrMapOvr>
+</p:sld>
+</file>
+
+<file path=ppt/slides/slide3.xml><?xml version="1.0" encoding="utf-8"?>
+<p:sld xmlns:a="http://schemas.openxmlformats.org/drawingml/2006/main" xmlns:r="http://schemas.openxmlformats.org/officeDocument/2006/relationships" xmlns:p="http://schemas.openxmlformats.org/presentationml/2006/main">
+  <p:cSld>
+    <p:spTree>
+      <p:nvGrpSpPr>
+        <p:cNvPr id="1" name=""/>
+        <p:cNvGrpSpPr/>
+        <p:nvPr/>
+      </p:nvGrpSpPr>
+      <p:grpSpPr>
+        <a:xfrm>
+          <a:off x="0" y="0"/>
+          <a:ext cx="0" cy="0"/>
+          <a:chOff x="0" y="0"/>
+          <a:chExt cx="0" cy="0"/>
+        </a:xfrm>
+      </p:grpSpPr>
+      <p:pic>
+        <p:nvPicPr>
+          <p:cNvPr id="1026" name="Picture 2" descr="How to create a train/test split for your Machine Learning model? –  MachineCurve">
+            <a:extLst>
+              <a:ext uri="{FF2B5EF4-FFF2-40B4-BE49-F238E27FC236}">
+                <a16:creationId xmlns:a16="http://schemas.microsoft.com/office/drawing/2014/main" id="{4DC6359F-BBF7-42E7-9343-9F83C281C133}"/>
+              </a:ext>
+            </a:extLst>
+          </p:cNvPr>
+          <p:cNvPicPr>
+            <a:picLocks noChangeAspect="1" noChangeArrowheads="1"/>
+          </p:cNvPicPr>
+          <p:nvPr/>
+        </p:nvPicPr>
+        <p:blipFill>
+          <a:blip r:embed="rId2">
+            <a:extLst>
+              <a:ext uri="{28A0092B-C50C-407E-A947-70E740481C1C}">
+                <a14:useLocalDpi xmlns:a14="http://schemas.microsoft.com/office/drawing/2010/main" val="0"/>
+              </a:ext>
+            </a:extLst>
+          </a:blip>
+          <a:srcRect/>
+          <a:stretch>
+            <a:fillRect/>
+          </a:stretch>
+        </p:blipFill>
+        <p:spPr bwMode="auto">
+          <a:xfrm>
+            <a:off x="2181225" y="1734563"/>
+            <a:ext cx="7829550" cy="4400550"/>
+          </a:xfrm>
+          <a:prstGeom prst="rect">
+            <a:avLst/>
+          </a:prstGeom>
+          <a:noFill/>
+          <a:extLst>
+            <a:ext uri="{909E8E84-426E-40DD-AFC4-6F175D3DCCD1}">
+              <a14:hiddenFill xmlns:a14="http://schemas.microsoft.com/office/drawing/2010/main">
+                <a:solidFill>
+                  <a:srgbClr val="FFFFFF"/>
+                </a:solidFill>
+              </a14:hiddenFill>
+            </a:ext>
+          </a:extLst>
+        </p:spPr>
+      </p:pic>
+      <p:sp>
+        <p:nvSpPr>
+          <p:cNvPr id="11" name="Tytuł 1">
+            <a:extLst>
+              <a:ext uri="{FF2B5EF4-FFF2-40B4-BE49-F238E27FC236}">
+                <a16:creationId xmlns:a16="http://schemas.microsoft.com/office/drawing/2014/main" id="{2AB177E0-B2EF-43C6-B4DE-202B965A3D2A}"/>
+              </a:ext>
+            </a:extLst>
+          </p:cNvPr>
+          <p:cNvSpPr>
+            <a:spLocks noGrp="1"/>
+          </p:cNvSpPr>
+          <p:nvPr>
+            <p:ph type="title"/>
+          </p:nvPr>
+        </p:nvSpPr>
+        <p:spPr>
+          <a:xfrm>
+            <a:off x="838200" y="0"/>
+            <a:ext cx="10515600" cy="1325563"/>
+          </a:xfrm>
+        </p:spPr>
+        <p:txBody>
+          <a:bodyPr/>
+          <a:lstStyle/>
+          <a:p>
+            <a:pPr algn="ctr"/>
+            <a:r>
+              <a:rPr lang="pl-PL" dirty="0" err="1"/>
+              <a:t>Overfitting</a:t>
+            </a:r>
+            <a:r>
+              <a:rPr lang="pl-PL" dirty="0"/>
+              <a:t> – jak uniknąć?</a:t>
+            </a:r>
+          </a:p>
+        </p:txBody>
+      </p:sp>
+    </p:spTree>
+    <p:extLst>
+      <p:ext uri="{BB962C8B-B14F-4D97-AF65-F5344CB8AC3E}">
+        <p14:creationId xmlns:p14="http://schemas.microsoft.com/office/powerpoint/2010/main" val="369618086"/>
+      </p:ext>
+    </p:extLst>
+  </p:cSld>
+  <p:clrMapOvr>
+    <a:masterClrMapping/>
+  </p:clrMapOvr>
+</p:sld>
+</file>
+
+<file path=ppt/slides/slide4.xml><?xml version="1.0" encoding="utf-8"?>
+<p:sld xmlns:a="http://schemas.openxmlformats.org/drawingml/2006/main" xmlns:r="http://schemas.openxmlformats.org/officeDocument/2006/relationships" xmlns:p="http://schemas.openxmlformats.org/presentationml/2006/main">
+  <p:cSld>
+    <p:spTree>
+      <p:nvGrpSpPr>
+        <p:cNvPr id="1" name=""/>
+        <p:cNvGrpSpPr/>
+        <p:nvPr/>
+      </p:nvGrpSpPr>
+      <p:grpSpPr>
+        <a:xfrm>
+          <a:off x="0" y="0"/>
+          <a:ext cx="0" cy="0"/>
+          <a:chOff x="0" y="0"/>
+          <a:chExt cx="0" cy="0"/>
+        </a:xfrm>
+      </p:grpSpPr>
+      <p:sp>
+        <p:nvSpPr>
+          <p:cNvPr id="2" name="Tytuł 1">
+            <a:extLst>
+              <a:ext uri="{FF2B5EF4-FFF2-40B4-BE49-F238E27FC236}">
+                <a16:creationId xmlns:a16="http://schemas.microsoft.com/office/drawing/2014/main" id="{2284F9FD-44BC-47D7-8904-CCC15491C6F1}"/>
+              </a:ext>
+            </a:extLst>
+          </p:cNvPr>
+          <p:cNvSpPr>
+            <a:spLocks noGrp="1"/>
+          </p:cNvSpPr>
+          <p:nvPr>
+            <p:ph type="title"/>
+          </p:nvPr>
+        </p:nvSpPr>
+        <p:spPr>
+          <a:xfrm>
+            <a:off x="838200" y="14929"/>
+            <a:ext cx="10515600" cy="1325563"/>
+          </a:xfrm>
+        </p:spPr>
+        <p:txBody>
+          <a:bodyPr/>
+          <a:lstStyle/>
+          <a:p>
+            <a:pPr algn="ctr"/>
+            <a:r>
+              <a:rPr lang="pl-PL" dirty="0"/>
+              <a:t>Wartość </a:t>
+            </a:r>
+            <a:r>
+              <a:rPr lang="pl-PL" dirty="0" err="1"/>
+              <a:t>accuracy</a:t>
+            </a:r>
+            <a:r>
+              <a:rPr lang="pl-PL" dirty="0"/>
+              <a:t> na przestrzeni epok</a:t>
+            </a:r>
+          </a:p>
+        </p:txBody>
+      </p:sp>
+      <p:pic>
+        <p:nvPicPr>
+          <p:cNvPr id="7" name="Obraz 6">
+            <a:extLst>
+              <a:ext uri="{FF2B5EF4-FFF2-40B4-BE49-F238E27FC236}">
+                <a16:creationId xmlns:a16="http://schemas.microsoft.com/office/drawing/2014/main" id="{164BC08E-DD61-453A-9DD6-B8CEC96A0B94}"/>
+              </a:ext>
+            </a:extLst>
+          </p:cNvPr>
+          <p:cNvPicPr>
+            <a:picLocks noChangeAspect="1"/>
+          </p:cNvPicPr>
+          <p:nvPr/>
+        </p:nvPicPr>
+        <p:blipFill>
+          <a:blip r:embed="rId2"/>
+          <a:stretch>
+            <a:fillRect/>
+          </a:stretch>
+        </p:blipFill>
+        <p:spPr>
+          <a:xfrm>
+            <a:off x="419100" y="1508734"/>
+            <a:ext cx="11353800" cy="4984141"/>
+          </a:xfrm>
+          <a:prstGeom prst="rect">
+            <a:avLst/>
+          </a:prstGeom>
+        </p:spPr>
+      </p:pic>
+    </p:spTree>
+    <p:extLst>
+      <p:ext uri="{BB962C8B-B14F-4D97-AF65-F5344CB8AC3E}">
+        <p14:creationId xmlns:p14="http://schemas.microsoft.com/office/powerpoint/2010/main" val="3251131052"/>
+      </p:ext>
+    </p:extLst>
+  </p:cSld>
+  <p:clrMapOvr>
+    <a:masterClrMapping/>
+  </p:clrMapOvr>
+</p:sld>
+</file>
+
+<file path=ppt/slides/slide5.xml><?xml version="1.0" encoding="utf-8"?>
+<p:sld xmlns:a="http://schemas.openxmlformats.org/drawingml/2006/main" xmlns:r="http://schemas.openxmlformats.org/officeDocument/2006/relationships" xmlns:p="http://schemas.openxmlformats.org/presentationml/2006/main">
+  <p:cSld>
+    <p:spTree>
+      <p:nvGrpSpPr>
+        <p:cNvPr id="1" name=""/>
+        <p:cNvGrpSpPr/>
+        <p:nvPr/>
+      </p:nvGrpSpPr>
+      <p:grpSpPr>
+        <a:xfrm>
+          <a:off x="0" y="0"/>
+          <a:ext cx="0" cy="0"/>
+          <a:chOff x="0" y="0"/>
+          <a:chExt cx="0" cy="0"/>
+        </a:xfrm>
+      </p:grpSpPr>
+      <p:sp>
+        <p:nvSpPr>
+          <p:cNvPr id="2" name="Tytuł 1">
+            <a:extLst>
+              <a:ext uri="{FF2B5EF4-FFF2-40B4-BE49-F238E27FC236}">
+                <a16:creationId xmlns:a16="http://schemas.microsoft.com/office/drawing/2014/main" id="{2284F9FD-44BC-47D7-8904-CCC15491C6F1}"/>
+              </a:ext>
+            </a:extLst>
+          </p:cNvPr>
+          <p:cNvSpPr>
+            <a:spLocks noGrp="1"/>
+          </p:cNvSpPr>
+          <p:nvPr>
+            <p:ph type="title"/>
+          </p:nvPr>
+        </p:nvSpPr>
+        <p:spPr>
+          <a:xfrm>
+            <a:off x="838200" y="0"/>
+            <a:ext cx="10515600" cy="1325563"/>
+          </a:xfrm>
+        </p:spPr>
+        <p:txBody>
+          <a:bodyPr/>
+          <a:lstStyle/>
+          <a:p>
+            <a:pPr algn="ctr"/>
+            <a:r>
+              <a:rPr lang="pl-PL" dirty="0"/>
+              <a:t>Wartość </a:t>
+            </a:r>
+            <a:r>
+              <a:rPr lang="pl-PL" dirty="0" err="1"/>
+              <a:t>loss</a:t>
+            </a:r>
+            <a:r>
+              <a:rPr lang="pl-PL" dirty="0"/>
+              <a:t> na przestrzeni epok</a:t>
+            </a:r>
+          </a:p>
+        </p:txBody>
+      </p:sp>
+      <p:pic>
+        <p:nvPicPr>
+          <p:cNvPr id="4" name="Obraz 3">
+            <a:extLst>
+              <a:ext uri="{FF2B5EF4-FFF2-40B4-BE49-F238E27FC236}">
+                <a16:creationId xmlns:a16="http://schemas.microsoft.com/office/drawing/2014/main" id="{20F7BB35-E936-4AFF-BDF9-0C75F3A0746D}"/>
+              </a:ext>
+            </a:extLst>
+          </p:cNvPr>
+          <p:cNvPicPr>
+            <a:picLocks noChangeAspect="1"/>
+          </p:cNvPicPr>
+          <p:nvPr/>
+        </p:nvPicPr>
+        <p:blipFill>
+          <a:blip r:embed="rId2"/>
+          <a:stretch>
+            <a:fillRect/>
+          </a:stretch>
+        </p:blipFill>
+        <p:spPr>
+          <a:xfrm>
+            <a:off x="419100" y="1519530"/>
+            <a:ext cx="11353800" cy="5033612"/>
+          </a:xfrm>
+          <a:prstGeom prst="rect">
+            <a:avLst/>
+          </a:prstGeom>
+        </p:spPr>
+      </p:pic>
+    </p:spTree>
+    <p:extLst>
+      <p:ext uri="{BB962C8B-B14F-4D97-AF65-F5344CB8AC3E}">
+        <p14:creationId xmlns:p14="http://schemas.microsoft.com/office/powerpoint/2010/main" val="1995571828"/>
+      </p:ext>
+    </p:extLst>
+  </p:cSld>
+  <p:clrMapOvr>
+    <a:masterClrMapping/>
+  </p:clrMapOvr>
+</p:sld>
+</file>
+
+<file path=ppt/slides/slide6.xml><?xml version="1.0" encoding="utf-8"?>
+<p:sld xmlns:a="http://schemas.openxmlformats.org/drawingml/2006/main" xmlns:r="http://schemas.openxmlformats.org/officeDocument/2006/relationships" xmlns:p="http://schemas.openxmlformats.org/presentationml/2006/main">
+  <p:cSld>
+    <p:spTree>
+      <p:nvGrpSpPr>
+        <p:cNvPr id="1" name=""/>
+        <p:cNvGrpSpPr/>
+        <p:nvPr/>
+      </p:nvGrpSpPr>
+      <p:grpSpPr>
+        <a:xfrm>
+          <a:off x="0" y="0"/>
+          <a:ext cx="0" cy="0"/>
+          <a:chOff x="0" y="0"/>
+          <a:chExt cx="0" cy="0"/>
+        </a:xfrm>
+      </p:grpSpPr>
+      <p:sp>
+        <p:nvSpPr>
+          <p:cNvPr id="11" name="Tytuł 1">
+            <a:extLst>
+              <a:ext uri="{FF2B5EF4-FFF2-40B4-BE49-F238E27FC236}">
+                <a16:creationId xmlns:a16="http://schemas.microsoft.com/office/drawing/2014/main" id="{2AB177E0-B2EF-43C6-B4DE-202B965A3D2A}"/>
+              </a:ext>
+            </a:extLst>
+          </p:cNvPr>
+          <p:cNvSpPr>
+            <a:spLocks noGrp="1"/>
+          </p:cNvSpPr>
+          <p:nvPr>
+            <p:ph type="title"/>
+          </p:nvPr>
+        </p:nvSpPr>
+        <p:spPr>
+          <a:xfrm>
+            <a:off x="838200" y="0"/>
+            <a:ext cx="10515600" cy="1325563"/>
+          </a:xfrm>
+        </p:spPr>
+        <p:txBody>
+          <a:bodyPr/>
+          <a:lstStyle/>
+          <a:p>
+            <a:pPr algn="ctr"/>
+            <a:r>
+              <a:rPr lang="pl-PL" dirty="0" err="1"/>
+              <a:t>Overfitting</a:t>
+            </a:r>
+            <a:r>
+              <a:rPr lang="pl-PL" dirty="0"/>
+              <a:t> – jak uniknąć?</a:t>
+            </a:r>
+          </a:p>
+        </p:txBody>
+      </p:sp>
+      <p:sp>
+        <p:nvSpPr>
+          <p:cNvPr id="2" name="pole tekstowe 1">
+            <a:extLst>
+              <a:ext uri="{FF2B5EF4-FFF2-40B4-BE49-F238E27FC236}">
+                <a16:creationId xmlns:a16="http://schemas.microsoft.com/office/drawing/2014/main" id="{E6287946-1C76-4E36-ACB4-95D91F2BCA36}"/>
+              </a:ext>
+            </a:extLst>
+          </p:cNvPr>
+          <p:cNvSpPr txBox="1"/>
+          <p:nvPr/>
+        </p:nvSpPr>
+        <p:spPr>
+          <a:xfrm>
+            <a:off x="838200" y="1874197"/>
+            <a:ext cx="8370433" cy="2585323"/>
+          </a:xfrm>
+          <a:prstGeom prst="rect">
+            <a:avLst/>
+          </a:prstGeom>
+          <a:noFill/>
+        </p:spPr>
+        <p:txBody>
+          <a:bodyPr wrap="none" rtlCol="0">
+            <a:spAutoFit/>
+          </a:bodyPr>
+          <a:lstStyle/>
+          <a:p>
+            <a:r>
+              <a:rPr lang="en-US" dirty="0"/>
+              <a:t>from </a:t>
+            </a:r>
+            <a:r>
+              <a:rPr lang="en-US" dirty="0" err="1"/>
+              <a:t>tensorflow.keras.callbacks</a:t>
+            </a:r>
+            <a:r>
+              <a:rPr lang="en-US" dirty="0"/>
+              <a:t> import </a:t>
+            </a:r>
+            <a:r>
+              <a:rPr lang="en-US" b="1" dirty="0" err="1"/>
+              <a:t>EarlyStopping</a:t>
+            </a:r>
+            <a:endParaRPr lang="pl-PL" b="1" dirty="0"/>
+          </a:p>
+          <a:p>
+            <a:endParaRPr lang="en-US" b="1" dirty="0"/>
+          </a:p>
+          <a:p>
+            <a:r>
+              <a:rPr lang="pl-PL" dirty="0" err="1"/>
+              <a:t>history</a:t>
+            </a:r>
+            <a:r>
+              <a:rPr lang="pl-PL" dirty="0"/>
+              <a:t> = </a:t>
+            </a:r>
+            <a:r>
+              <a:rPr lang="pl-PL" dirty="0" err="1"/>
+              <a:t>model.fit</a:t>
+            </a:r>
+            <a:r>
+              <a:rPr lang="pl-PL" dirty="0"/>
+              <a:t>(x=</a:t>
+            </a:r>
+            <a:r>
+              <a:rPr lang="pl-PL" dirty="0" err="1"/>
+              <a:t>X_train</a:t>
+            </a:r>
+            <a:r>
+              <a:rPr lang="pl-PL" dirty="0"/>
+              <a:t>, y=</a:t>
+            </a:r>
+            <a:r>
+              <a:rPr lang="pl-PL" dirty="0" err="1"/>
+              <a:t>Y_train</a:t>
+            </a:r>
+            <a:r>
+              <a:rPr lang="pl-PL" dirty="0"/>
+              <a:t>, </a:t>
+            </a:r>
+            <a:r>
+              <a:rPr lang="pl-PL" dirty="0" err="1"/>
+              <a:t>epochs</a:t>
+            </a:r>
+            <a:r>
+              <a:rPr lang="pl-PL" dirty="0"/>
+              <a:t>=200, </a:t>
+            </a:r>
+            <a:r>
+              <a:rPr lang="pl-PL" dirty="0" err="1"/>
+              <a:t>batch_size</a:t>
+            </a:r>
+            <a:r>
+              <a:rPr lang="pl-PL" dirty="0"/>
+              <a:t>=16,</a:t>
+            </a:r>
+          </a:p>
+          <a:p>
+            <a:r>
+              <a:rPr lang="pl-PL" dirty="0"/>
+              <a:t>                    </a:t>
+            </a:r>
+            <a:r>
+              <a:rPr lang="pl-PL" dirty="0" err="1"/>
+              <a:t>validation_split</a:t>
+            </a:r>
+            <a:r>
+              <a:rPr lang="pl-PL" dirty="0"/>
+              <a:t>=0.2, </a:t>
+            </a:r>
+            <a:r>
+              <a:rPr lang="en-US" b="1" dirty="0"/>
+              <a:t>callbacks=[</a:t>
+            </a:r>
+            <a:r>
+              <a:rPr lang="en-US" b="1" dirty="0" err="1"/>
+              <a:t>EarlyStopping</a:t>
+            </a:r>
+            <a:r>
+              <a:rPr lang="en-US" b="1" dirty="0"/>
+              <a:t>(monitor='loss', patience=2)])</a:t>
+            </a:r>
+            <a:endParaRPr lang="pl-PL" dirty="0"/>
+          </a:p>
+          <a:p>
+            <a:endParaRPr lang="pl-PL" dirty="0"/>
+          </a:p>
+          <a:p>
+            <a:endParaRPr lang="pl-PL" dirty="0"/>
+          </a:p>
+          <a:p>
+            <a:endParaRPr lang="pl-PL" dirty="0"/>
+          </a:p>
+          <a:p>
+            <a:r>
+              <a:rPr lang="pl-PL" dirty="0" err="1"/>
+              <a:t>history.history</a:t>
+            </a:r>
+            <a:r>
+              <a:rPr lang="pl-PL" dirty="0"/>
+              <a:t>[‚</a:t>
+            </a:r>
+            <a:r>
+              <a:rPr lang="pl-PL" dirty="0" err="1"/>
+              <a:t>loss</a:t>
+            </a:r>
+            <a:r>
+              <a:rPr lang="pl-PL" dirty="0"/>
+              <a:t>’] = wartości </a:t>
+            </a:r>
+            <a:r>
+              <a:rPr lang="pl-PL" dirty="0" err="1"/>
+              <a:t>loss</a:t>
+            </a:r>
+            <a:r>
+              <a:rPr lang="pl-PL" dirty="0"/>
+              <a:t> dla zbioru </a:t>
+            </a:r>
+            <a:r>
+              <a:rPr lang="pl-PL" dirty="0" err="1"/>
+              <a:t>train</a:t>
+            </a:r>
+            <a:endParaRPr lang="pl-PL" dirty="0"/>
+          </a:p>
+          <a:p>
+            <a:r>
+              <a:rPr lang="pl-PL" dirty="0" err="1"/>
+              <a:t>history.history</a:t>
+            </a:r>
+            <a:r>
+              <a:rPr lang="pl-PL" dirty="0"/>
+              <a:t>[‚</a:t>
+            </a:r>
+            <a:r>
+              <a:rPr lang="pl-PL" dirty="0" err="1"/>
+              <a:t>val_loss</a:t>
+            </a:r>
+            <a:r>
+              <a:rPr lang="pl-PL" dirty="0"/>
+              <a:t>’] = wartości </a:t>
+            </a:r>
+            <a:r>
+              <a:rPr lang="pl-PL" dirty="0" err="1"/>
+              <a:t>loss</a:t>
+            </a:r>
+            <a:r>
+              <a:rPr lang="pl-PL" dirty="0"/>
+              <a:t> dla zbioru </a:t>
+            </a:r>
+            <a:r>
+              <a:rPr lang="pl-PL" dirty="0" err="1"/>
+              <a:t>valid</a:t>
+            </a:r>
+            <a:endParaRPr lang="pl-PL" dirty="0"/>
+          </a:p>
+        </p:txBody>
+      </p:sp>
+    </p:spTree>
+    <p:extLst>
+      <p:ext uri="{BB962C8B-B14F-4D97-AF65-F5344CB8AC3E}">
+        <p14:creationId xmlns:p14="http://schemas.microsoft.com/office/powerpoint/2010/main" val="4149593741"/>
+      </p:ext>
+    </p:extLst>
+  </p:cSld>
+  <p:clrMapOvr>
+    <a:masterClrMapping/>
+  </p:clrMapOvr>
+</p:sld>
+</file>
+
 <file path=ppt/slides/slide7.xml><?xml version="1.0" encoding="utf-8"?>
 <p:sld xmlns:a="http://schemas.openxmlformats.org/drawingml/2006/main" xmlns:r="http://schemas.openxmlformats.org/officeDocument/2006/relationships" xmlns:p="http://schemas.openxmlformats.org/presentationml/2006/main">
   <p:cSld>
@@ -5743,7 +7065,7 @@
           <p:cNvPr id="2" name="Tytuł 1">
             <a:extLst>
               <a:ext uri="{FF2B5EF4-FFF2-40B4-BE49-F238E27FC236}">
-                <a16:creationId xmlns:a16="http://schemas.microsoft.com/office/drawing/2014/main" id="{3281AA66-EA90-4520-8363-1A16040F7DFF}"/>
+                <a16:creationId xmlns:a16="http://schemas.microsoft.com/office/drawing/2014/main" id="{DF95EBC7-3ACA-4510-97B3-C056822F6E28}"/>
               </a:ext>
             </a:extLst>
           </p:cNvPr>
@@ -5764,10 +7086,9 @@
           <a:bodyPr/>
           <a:lstStyle/>
           <a:p>
-            <a:pPr algn="ctr"/>
             <a:r>
               <a:rPr lang="pl-PL" dirty="0"/>
-              <a:t>Analiza danych</a:t>
+              <a:t>Funkcje straty</a:t>
             </a:r>
           </a:p>
         </p:txBody>
@@ -5777,7 +7098,7 @@
           <p:cNvPr id="3" name="Symbol zastępczy zawartości 2">
             <a:extLst>
               <a:ext uri="{FF2B5EF4-FFF2-40B4-BE49-F238E27FC236}">
-                <a16:creationId xmlns:a16="http://schemas.microsoft.com/office/drawing/2014/main" id="{97F1899B-61B1-4A2B-8443-685AA7A4D314}"/>
+                <a16:creationId xmlns:a16="http://schemas.microsoft.com/office/drawing/2014/main" id="{6F438E73-FEC2-442E-BE9E-EC1A8992AD72}"/>
               </a:ext>
             </a:extLst>
           </p:cNvPr>
@@ -5790,13 +7111,13 @@
         </p:nvSpPr>
         <p:spPr>
           <a:xfrm>
-            <a:off x="1180288" y="1086322"/>
-            <a:ext cx="10849583" cy="5606307"/>
+            <a:off x="435244" y="1325563"/>
+            <a:ext cx="10515600" cy="5253468"/>
           </a:xfrm>
         </p:spPr>
         <p:txBody>
           <a:bodyPr>
-            <a:normAutofit fontScale="40000" lnSpcReduction="20000"/>
+            <a:normAutofit/>
           </a:bodyPr>
           <a:lstStyle/>
           <a:p>
@@ -5804,610 +7125,215 @@
               <a:buNone/>
             </a:pPr>
             <a:r>
-              <a:rPr lang="pl-PL" sz="3000" b="1" u="sng" dirty="0"/>
-              <a:t>Read </a:t>
-            </a:r>
-            <a:r>
-              <a:rPr lang="pl-PL" sz="3000" b="1" u="sng" dirty="0" err="1"/>
-              <a:t>dataset</a:t>
-            </a:r>
-            <a:endParaRPr lang="pl-PL" sz="3000" b="1" u="sng" dirty="0"/>
+              <a:rPr lang="pl-PL" sz="2400" u="sng" dirty="0"/>
+              <a:t>Klasyfikacja binarna:</a:t>
+            </a:r>
+            <a:br>
+              <a:rPr lang="pl-PL" sz="2400" dirty="0"/>
+            </a:br>
+            <a:r>
+              <a:rPr lang="pl-PL" sz="2400" dirty="0"/>
+              <a:t>używamy aktywacji </a:t>
+            </a:r>
+            <a:r>
+              <a:rPr lang="pl-PL" sz="2400" b="1" dirty="0" err="1"/>
+              <a:t>sigmoid</a:t>
+            </a:r>
+            <a:r>
+              <a:rPr lang="pl-PL" sz="2400" dirty="0"/>
+              <a:t> oraz funkcji straty </a:t>
+            </a:r>
+            <a:r>
+              <a:rPr lang="pl-PL" sz="2400" b="1" dirty="0" err="1"/>
+              <a:t>binary</a:t>
+            </a:r>
+            <a:r>
+              <a:rPr lang="pl-PL" sz="2400" b="1" dirty="0"/>
+              <a:t> </a:t>
+            </a:r>
+            <a:r>
+              <a:rPr lang="pl-PL" sz="2400" b="1" dirty="0" err="1"/>
+              <a:t>crossentropy</a:t>
+            </a:r>
+            <a:endParaRPr lang="pl-PL" sz="2400" b="1" dirty="0"/>
           </a:p>
           <a:p>
             <a:pPr marL="0" indent="0">
               <a:buNone/>
             </a:pPr>
-            <a:r>
-              <a:rPr lang="pl-PL" dirty="0" err="1"/>
-              <a:t>df</a:t>
-            </a:r>
-            <a:r>
-              <a:rPr lang="pl-PL" dirty="0"/>
-              <a:t> = </a:t>
-            </a:r>
-            <a:r>
-              <a:rPr lang="pl-PL" dirty="0" err="1"/>
-              <a:t>pd.read_csv</a:t>
-            </a:r>
-            <a:r>
-              <a:rPr lang="pl-PL" dirty="0"/>
-              <a:t>('data.csv')</a:t>
-            </a:r>
-          </a:p>
-          <a:p>
-            <a:endParaRPr lang="pl-PL" dirty="0"/>
+            <a:endParaRPr lang="pl-PL" sz="2400" b="1" dirty="0"/>
           </a:p>
           <a:p>
             <a:pPr marL="0" indent="0">
               <a:buNone/>
             </a:pPr>
             <a:r>
-              <a:rPr lang="pl-PL" sz="3000" b="1" u="sng" dirty="0" err="1"/>
-              <a:t>Analyse</a:t>
-            </a:r>
-            <a:r>
-              <a:rPr lang="pl-PL" sz="3000" b="1" u="sng" dirty="0"/>
-              <a:t> data</a:t>
-            </a:r>
+              <a:rPr lang="pl-PL" sz="2400" u="sng" dirty="0"/>
+              <a:t>Klasyfikacja wieloklasowa:</a:t>
+            </a:r>
+            <a:br>
+              <a:rPr lang="pl-PL" sz="2400" dirty="0"/>
+            </a:br>
+            <a:r>
+              <a:rPr lang="pl-PL" sz="2400" dirty="0"/>
+              <a:t>używamy aktywacji </a:t>
+            </a:r>
+            <a:r>
+              <a:rPr lang="pl-PL" sz="2400" b="1" dirty="0" err="1"/>
+              <a:t>softmax</a:t>
+            </a:r>
+            <a:r>
+              <a:rPr lang="pl-PL" sz="2400" dirty="0"/>
+              <a:t> </a:t>
+            </a:r>
+            <a:r>
+              <a:rPr lang="pl-PL" sz="2400" dirty="0" err="1"/>
+              <a:t>orax</a:t>
+            </a:r>
+            <a:r>
+              <a:rPr lang="pl-PL" sz="2400" dirty="0"/>
+              <a:t> funkcji straty </a:t>
+            </a:r>
+            <a:r>
+              <a:rPr lang="pl-PL" sz="2400" b="1" dirty="0" err="1"/>
+              <a:t>categorical</a:t>
+            </a:r>
+            <a:r>
+              <a:rPr lang="pl-PL" sz="2400" b="1" dirty="0"/>
+              <a:t> </a:t>
+            </a:r>
+            <a:r>
+              <a:rPr lang="pl-PL" sz="2400" b="1" dirty="0" err="1"/>
+              <a:t>crossentropy</a:t>
+            </a:r>
+            <a:endParaRPr lang="pl-PL" sz="2400" b="1" dirty="0"/>
           </a:p>
           <a:p>
             <a:pPr marL="0" indent="0">
               <a:buNone/>
             </a:pPr>
-            <a:r>
-              <a:rPr lang="pl-PL" b="1" dirty="0" err="1"/>
-              <a:t>Print</a:t>
-            </a:r>
-            <a:r>
-              <a:rPr lang="pl-PL" b="1" dirty="0"/>
+            <a:endParaRPr lang="pl-PL" sz="2400" b="1" dirty="0"/>
+          </a:p>
+          <a:p>
+            <a:pPr marL="0" indent="0">
+              <a:buNone/>
+            </a:pPr>
+            <a:r>
+              <a:rPr lang="pl-PL" sz="2400" u="sng" dirty="0"/>
+              <a:t>Regresja:</a:t>
+            </a:r>
+            <a:br>
+              <a:rPr lang="pl-PL" sz="2400" dirty="0"/>
+            </a:br>
+            <a:r>
+              <a:rPr lang="pl-PL" sz="2400" dirty="0"/>
+              <a:t>MAE – </a:t>
+            </a:r>
+            <a:r>
+              <a:rPr lang="pl-PL" sz="2400" dirty="0" err="1"/>
+              <a:t>mean</a:t>
+            </a:r>
+            <a:r>
+              <a:rPr lang="pl-PL" sz="2400" dirty="0"/>
               <a:t> </a:t>
             </a:r>
             <a:r>
-              <a:rPr lang="pl-PL" b="1" dirty="0" err="1"/>
-              <a:t>head</a:t>
-            </a:r>
-            <a:r>
-              <a:rPr lang="pl-PL" b="1" dirty="0"/>
-              <a:t> / </a:t>
-            </a:r>
-            <a:r>
-              <a:rPr lang="pl-PL" b="1" dirty="0" err="1"/>
-              <a:t>tail</a:t>
-            </a:r>
-            <a:r>
-              <a:rPr lang="pl-PL" b="1" dirty="0"/>
-              <a:t> of </a:t>
-            </a:r>
-            <a:r>
-              <a:rPr lang="pl-PL" b="1" dirty="0" err="1"/>
-              <a:t>dataset</a:t>
-            </a:r>
+              <a:rPr lang="pl-PL" sz="2400" dirty="0" err="1"/>
+              <a:t>absolute</a:t>
+            </a:r>
+            <a:r>
+              <a:rPr lang="pl-PL" sz="2400" dirty="0"/>
+              <a:t> error</a:t>
+            </a:r>
+            <a:br>
+              <a:rPr lang="pl-PL" sz="2400" dirty="0"/>
+            </a:br>
+            <a:r>
+              <a:rPr lang="pl-PL" sz="2400" dirty="0"/>
+              <a:t>MSE – </a:t>
+            </a:r>
+            <a:r>
+              <a:rPr lang="pl-PL" sz="2400" dirty="0" err="1"/>
+              <a:t>mean</a:t>
+            </a:r>
+            <a:r>
+              <a:rPr lang="pl-PL" sz="2400" dirty="0"/>
+              <a:t> </a:t>
+            </a:r>
+            <a:r>
+              <a:rPr lang="pl-PL" sz="2400" dirty="0" err="1"/>
+              <a:t>square</a:t>
+            </a:r>
+            <a:r>
+              <a:rPr lang="pl-PL" sz="2400" dirty="0"/>
+              <a:t> error</a:t>
+            </a:r>
+            <a:br>
+              <a:rPr lang="pl-PL" sz="2400" dirty="0"/>
+            </a:br>
+            <a:r>
+              <a:rPr lang="pl-PL" sz="2400" dirty="0"/>
+              <a:t>MAPE – </a:t>
+            </a:r>
+            <a:r>
+              <a:rPr lang="pl-PL" sz="2400" dirty="0" err="1"/>
+              <a:t>mean</a:t>
+            </a:r>
+            <a:r>
+              <a:rPr lang="pl-PL" sz="2400" dirty="0"/>
+              <a:t> </a:t>
+            </a:r>
+            <a:r>
+              <a:rPr lang="pl-PL" sz="2400" dirty="0" err="1"/>
+              <a:t>absolute</a:t>
+            </a:r>
+            <a:r>
+              <a:rPr lang="pl-PL" sz="2400" dirty="0"/>
+              <a:t> </a:t>
+            </a:r>
+            <a:r>
+              <a:rPr lang="pl-PL" sz="2400" dirty="0" err="1"/>
+              <a:t>percentage</a:t>
+            </a:r>
+            <a:r>
+              <a:rPr lang="pl-PL" sz="2400" dirty="0"/>
+              <a:t> error</a:t>
+            </a:r>
+          </a:p>
+          <a:p>
+            <a:pPr marL="0" indent="0">
+              <a:buNone/>
+            </a:pPr>
+            <a:endParaRPr lang="pl-PL" sz="2400" b="1" dirty="0"/>
+          </a:p>
+          <a:p>
+            <a:pPr marL="0" indent="0">
+              <a:buNone/>
+            </a:pPr>
+            <a:endParaRPr lang="pl-PL" sz="2400" b="1" dirty="0"/>
+          </a:p>
+          <a:p>
+            <a:pPr marL="0" indent="0">
+              <a:buNone/>
+            </a:pPr>
+            <a:r>
+              <a:rPr lang="pl-PL" sz="2000" dirty="0"/>
+              <a:t>Można doczytać trochę więcej: https://neptune.ai/blog/keras-loss-functions</a:t>
+            </a:r>
+            <a:endParaRPr lang="pl-PL" sz="2400" dirty="0"/>
+          </a:p>
+          <a:p>
+            <a:pPr marL="0" indent="0">
+              <a:buNone/>
+            </a:pPr>
             <a:endParaRPr lang="pl-PL" b="1" dirty="0"/>
-          </a:p>
-          <a:p>
-            <a:pPr marL="0" indent="0">
-              <a:buNone/>
-            </a:pPr>
-            <a:r>
-              <a:rPr lang="pl-PL" dirty="0" err="1"/>
-              <a:t>print</a:t>
-            </a:r>
-            <a:r>
-              <a:rPr lang="pl-PL" dirty="0"/>
-              <a:t>("</a:t>
-            </a:r>
-            <a:r>
-              <a:rPr lang="pl-PL" dirty="0" err="1"/>
-              <a:t>Head</a:t>
-            </a:r>
-            <a:r>
-              <a:rPr lang="pl-PL" dirty="0"/>
-              <a:t>:\n", </a:t>
-            </a:r>
-            <a:r>
-              <a:rPr lang="pl-PL" dirty="0" err="1"/>
-              <a:t>df.head</a:t>
-            </a:r>
-            <a:r>
-              <a:rPr lang="pl-PL" dirty="0"/>
-              <a:t>(n=5))</a:t>
-            </a:r>
-          </a:p>
-          <a:p>
-            <a:pPr marL="0" indent="0">
-              <a:buNone/>
-            </a:pPr>
-            <a:r>
-              <a:rPr lang="pl-PL" dirty="0" err="1"/>
-              <a:t>print</a:t>
-            </a:r>
-            <a:r>
-              <a:rPr lang="pl-PL" dirty="0"/>
-              <a:t>("</a:t>
-            </a:r>
-            <a:r>
-              <a:rPr lang="pl-PL" dirty="0" err="1"/>
-              <a:t>Tail</a:t>
-            </a:r>
-            <a:r>
-              <a:rPr lang="pl-PL" dirty="0"/>
-              <a:t>:\n", </a:t>
-            </a:r>
-            <a:r>
-              <a:rPr lang="pl-PL" dirty="0" err="1"/>
-              <a:t>df.tail</a:t>
-            </a:r>
-            <a:r>
-              <a:rPr lang="pl-PL" dirty="0"/>
-              <a:t>(n=10))</a:t>
-            </a:r>
-          </a:p>
-          <a:p>
-            <a:endParaRPr lang="pl-PL" dirty="0"/>
-          </a:p>
-          <a:p>
-            <a:pPr marL="0" indent="0">
-              <a:buNone/>
-            </a:pPr>
-            <a:r>
-              <a:rPr lang="pl-PL" b="1" dirty="0"/>
-              <a:t>Get </a:t>
-            </a:r>
-            <a:r>
-              <a:rPr lang="pl-PL" b="1" dirty="0" err="1"/>
-              <a:t>column</a:t>
-            </a:r>
-            <a:r>
-              <a:rPr lang="pl-PL" b="1" dirty="0"/>
-              <a:t> </a:t>
-            </a:r>
-            <a:r>
-              <a:rPr lang="pl-PL" b="1" dirty="0" err="1"/>
-              <a:t>names</a:t>
-            </a:r>
-            <a:endParaRPr lang="pl-PL" b="1" dirty="0"/>
-          </a:p>
-          <a:p>
-            <a:pPr marL="0" indent="0">
-              <a:buNone/>
-            </a:pPr>
-            <a:r>
-              <a:rPr lang="pl-PL" dirty="0" err="1"/>
-              <a:t>print</a:t>
-            </a:r>
-            <a:r>
-              <a:rPr lang="pl-PL" dirty="0"/>
-              <a:t>("</a:t>
-            </a:r>
-            <a:r>
-              <a:rPr lang="pl-PL" dirty="0" err="1"/>
-              <a:t>Column</a:t>
-            </a:r>
-            <a:r>
-              <a:rPr lang="pl-PL" dirty="0"/>
-              <a:t> </a:t>
-            </a:r>
-            <a:r>
-              <a:rPr lang="pl-PL" dirty="0" err="1"/>
-              <a:t>names</a:t>
-            </a:r>
-            <a:r>
-              <a:rPr lang="pl-PL" dirty="0"/>
-              <a:t>: ", </a:t>
-            </a:r>
-            <a:r>
-              <a:rPr lang="pl-PL" dirty="0" err="1"/>
-              <a:t>df.columns</a:t>
-            </a:r>
-            <a:r>
-              <a:rPr lang="pl-PL" dirty="0"/>
-              <a:t>)</a:t>
-            </a:r>
-          </a:p>
-          <a:p>
-            <a:endParaRPr lang="pl-PL" dirty="0"/>
-          </a:p>
-          <a:p>
-            <a:pPr marL="0" indent="0">
-              <a:buNone/>
-            </a:pPr>
-            <a:r>
-              <a:rPr lang="pl-PL" b="1" dirty="0" err="1"/>
-              <a:t>Describe</a:t>
-            </a:r>
-            <a:r>
-              <a:rPr lang="pl-PL" b="1" dirty="0"/>
-              <a:t> </a:t>
-            </a:r>
-            <a:r>
-              <a:rPr lang="pl-PL" b="1" dirty="0" err="1"/>
-              <a:t>dataframe</a:t>
-            </a:r>
-            <a:endParaRPr lang="pl-PL" b="1" dirty="0"/>
-          </a:p>
-          <a:p>
-            <a:pPr marL="0" indent="0">
-              <a:buNone/>
-            </a:pPr>
-            <a:r>
-              <a:rPr lang="pl-PL" dirty="0" err="1"/>
-              <a:t>print</a:t>
-            </a:r>
-            <a:r>
-              <a:rPr lang="pl-PL" dirty="0"/>
-              <a:t>(</a:t>
-            </a:r>
-            <a:r>
-              <a:rPr lang="pl-PL" dirty="0" err="1"/>
-              <a:t>df.describe</a:t>
-            </a:r>
-            <a:r>
-              <a:rPr lang="pl-PL" dirty="0"/>
-              <a:t>())</a:t>
-            </a:r>
-          </a:p>
-          <a:p>
-            <a:endParaRPr lang="pl-PL" dirty="0"/>
-          </a:p>
-          <a:p>
-            <a:pPr marL="0" indent="0">
-              <a:buNone/>
-            </a:pPr>
-            <a:r>
-              <a:rPr lang="pl-PL" b="1" dirty="0" err="1"/>
-              <a:t>Check</a:t>
-            </a:r>
-            <a:r>
-              <a:rPr lang="pl-PL" b="1" dirty="0"/>
-              <a:t> </a:t>
-            </a:r>
-            <a:r>
-              <a:rPr lang="pl-PL" b="1" dirty="0" err="1"/>
-              <a:t>if</a:t>
-            </a:r>
-            <a:r>
-              <a:rPr lang="pl-PL" b="1" dirty="0"/>
-              <a:t> </a:t>
-            </a:r>
-            <a:r>
-              <a:rPr lang="pl-PL" b="1" dirty="0" err="1"/>
-              <a:t>dataframe</a:t>
-            </a:r>
-            <a:r>
-              <a:rPr lang="pl-PL" b="1" dirty="0"/>
-              <a:t> </a:t>
-            </a:r>
-            <a:r>
-              <a:rPr lang="pl-PL" b="1" dirty="0" err="1"/>
-              <a:t>has</a:t>
-            </a:r>
-            <a:r>
-              <a:rPr lang="pl-PL" b="1" dirty="0"/>
-              <a:t> </a:t>
-            </a:r>
-            <a:r>
-              <a:rPr lang="pl-PL" b="1" dirty="0" err="1"/>
-              <a:t>NaN</a:t>
-            </a:r>
-            <a:r>
-              <a:rPr lang="pl-PL" b="1" dirty="0"/>
-              <a:t> </a:t>
-            </a:r>
-            <a:r>
-              <a:rPr lang="pl-PL" b="1" dirty="0" err="1"/>
-              <a:t>values</a:t>
-            </a:r>
-            <a:endParaRPr lang="pl-PL" b="1" dirty="0"/>
-          </a:p>
-          <a:p>
-            <a:pPr marL="0" indent="0">
-              <a:buNone/>
-            </a:pPr>
-            <a:r>
-              <a:rPr lang="pl-PL" dirty="0" err="1"/>
-              <a:t>print</a:t>
-            </a:r>
-            <a:r>
-              <a:rPr lang="pl-PL" dirty="0"/>
-              <a:t>(</a:t>
-            </a:r>
-            <a:r>
-              <a:rPr lang="pl-PL" dirty="0" err="1"/>
-              <a:t>df.isna</a:t>
-            </a:r>
-            <a:r>
-              <a:rPr lang="pl-PL" dirty="0"/>
-              <a:t>())</a:t>
-            </a:r>
-          </a:p>
-          <a:p>
-            <a:pPr marL="0" indent="0">
-              <a:buNone/>
-            </a:pPr>
-            <a:r>
-              <a:rPr lang="pl-PL" dirty="0" err="1"/>
-              <a:t>print</a:t>
-            </a:r>
-            <a:r>
-              <a:rPr lang="pl-PL" dirty="0"/>
-              <a:t>(</a:t>
-            </a:r>
-            <a:r>
-              <a:rPr lang="pl-PL" dirty="0" err="1"/>
-              <a:t>df.isna</a:t>
-            </a:r>
-            <a:r>
-              <a:rPr lang="pl-PL" dirty="0"/>
-              <a:t>().</a:t>
-            </a:r>
-            <a:r>
-              <a:rPr lang="pl-PL" dirty="0" err="1"/>
-              <a:t>any</a:t>
-            </a:r>
-            <a:r>
-              <a:rPr lang="pl-PL" dirty="0"/>
-              <a:t>())</a:t>
-            </a:r>
-          </a:p>
-          <a:p>
-            <a:pPr marL="0" indent="0">
-              <a:buNone/>
-            </a:pPr>
-            <a:r>
-              <a:rPr lang="pl-PL" dirty="0"/>
-              <a:t>        </a:t>
-            </a:r>
-          </a:p>
-          <a:p>
-            <a:pPr marL="0" indent="0">
-              <a:buNone/>
-            </a:pPr>
-            <a:r>
-              <a:rPr lang="pl-PL" b="1" dirty="0" err="1"/>
-              <a:t>Print</a:t>
-            </a:r>
-            <a:r>
-              <a:rPr lang="pl-PL" b="1" dirty="0"/>
-              <a:t> </a:t>
-            </a:r>
-            <a:r>
-              <a:rPr lang="pl-PL" b="1" dirty="0" err="1"/>
-              <a:t>feature</a:t>
-            </a:r>
-            <a:r>
-              <a:rPr lang="pl-PL" b="1" dirty="0"/>
-              <a:t> </a:t>
-            </a:r>
-            <a:r>
-              <a:rPr lang="pl-PL" b="1" dirty="0" err="1"/>
-              <a:t>correlations</a:t>
-            </a:r>
-            <a:r>
-              <a:rPr lang="pl-PL" b="1" dirty="0"/>
-              <a:t>    </a:t>
-            </a:r>
-          </a:p>
-          <a:p>
-            <a:pPr marL="0" indent="0">
-              <a:buNone/>
-            </a:pPr>
-            <a:r>
-              <a:rPr lang="pl-PL" dirty="0" err="1"/>
-              <a:t>print</a:t>
-            </a:r>
-            <a:r>
-              <a:rPr lang="pl-PL" dirty="0"/>
-              <a:t>(</a:t>
-            </a:r>
-            <a:r>
-              <a:rPr lang="pl-PL" dirty="0" err="1"/>
-              <a:t>df</a:t>
-            </a:r>
-            <a:r>
-              <a:rPr lang="pl-PL" dirty="0"/>
-              <a:t>[['Sex', '</a:t>
-            </a:r>
-            <a:r>
-              <a:rPr lang="pl-PL" dirty="0" err="1"/>
-              <a:t>Survived</a:t>
-            </a:r>
-            <a:r>
-              <a:rPr lang="pl-PL" dirty="0"/>
-              <a:t>']].</a:t>
-            </a:r>
-            <a:r>
-              <a:rPr lang="pl-PL" dirty="0" err="1"/>
-              <a:t>groupby</a:t>
-            </a:r>
-            <a:r>
-              <a:rPr lang="pl-PL" dirty="0"/>
-              <a:t>(['Sex'], </a:t>
-            </a:r>
-            <a:r>
-              <a:rPr lang="pl-PL" dirty="0" err="1"/>
-              <a:t>as_index</a:t>
-            </a:r>
-            <a:r>
-              <a:rPr lang="pl-PL" dirty="0"/>
-              <a:t>=</a:t>
-            </a:r>
-            <a:r>
-              <a:rPr lang="pl-PL" dirty="0" err="1"/>
-              <a:t>False</a:t>
-            </a:r>
-            <a:r>
-              <a:rPr lang="pl-PL" dirty="0"/>
-              <a:t>).</a:t>
-            </a:r>
-            <a:r>
-              <a:rPr lang="pl-PL" dirty="0" err="1"/>
-              <a:t>mean</a:t>
-            </a:r>
-            <a:r>
-              <a:rPr lang="pl-PL" dirty="0"/>
-              <a:t>())</a:t>
-            </a:r>
-          </a:p>
-          <a:p>
-            <a:pPr marL="0" indent="0">
-              <a:buNone/>
-            </a:pPr>
-            <a:r>
-              <a:rPr lang="pl-PL" dirty="0" err="1"/>
-              <a:t>print</a:t>
-            </a:r>
-            <a:r>
-              <a:rPr lang="pl-PL" dirty="0"/>
-              <a:t>(</a:t>
-            </a:r>
-            <a:r>
-              <a:rPr lang="pl-PL" dirty="0" err="1"/>
-              <a:t>df</a:t>
-            </a:r>
-            <a:r>
-              <a:rPr lang="pl-PL" dirty="0"/>
-              <a:t>[['</a:t>
-            </a:r>
-            <a:r>
-              <a:rPr lang="pl-PL" dirty="0" err="1"/>
-              <a:t>Pclass</a:t>
-            </a:r>
-            <a:r>
-              <a:rPr lang="pl-PL" dirty="0"/>
-              <a:t>', '</a:t>
-            </a:r>
-            <a:r>
-              <a:rPr lang="pl-PL" dirty="0" err="1"/>
-              <a:t>Survived</a:t>
-            </a:r>
-            <a:r>
-              <a:rPr lang="pl-PL" dirty="0"/>
-              <a:t>']].</a:t>
-            </a:r>
-            <a:r>
-              <a:rPr lang="pl-PL" dirty="0" err="1"/>
-              <a:t>groupby</a:t>
-            </a:r>
-            <a:r>
-              <a:rPr lang="pl-PL" dirty="0"/>
-              <a:t>(['</a:t>
-            </a:r>
-            <a:r>
-              <a:rPr lang="pl-PL" dirty="0" err="1"/>
-              <a:t>Pclass</a:t>
-            </a:r>
-            <a:r>
-              <a:rPr lang="pl-PL" dirty="0"/>
-              <a:t>'], </a:t>
-            </a:r>
-            <a:r>
-              <a:rPr lang="pl-PL" dirty="0" err="1"/>
-              <a:t>as_index</a:t>
-            </a:r>
-            <a:r>
-              <a:rPr lang="pl-PL" dirty="0"/>
-              <a:t>=</a:t>
-            </a:r>
-            <a:r>
-              <a:rPr lang="pl-PL" dirty="0" err="1"/>
-              <a:t>False</a:t>
-            </a:r>
-            <a:r>
-              <a:rPr lang="pl-PL" dirty="0"/>
-              <a:t>).</a:t>
-            </a:r>
-            <a:r>
-              <a:rPr lang="pl-PL" dirty="0" err="1"/>
-              <a:t>mean</a:t>
-            </a:r>
-            <a:r>
-              <a:rPr lang="pl-PL" dirty="0"/>
-              <a:t>())</a:t>
-            </a:r>
-          </a:p>
-          <a:p>
-            <a:pPr marL="0" indent="0">
-              <a:buNone/>
-            </a:pPr>
-            <a:r>
-              <a:rPr lang="pl-PL" dirty="0" err="1"/>
-              <a:t>print</a:t>
-            </a:r>
-            <a:r>
-              <a:rPr lang="pl-PL" dirty="0"/>
-              <a:t>(</a:t>
-            </a:r>
-            <a:r>
-              <a:rPr lang="pl-PL" dirty="0" err="1"/>
-              <a:t>df</a:t>
-            </a:r>
-            <a:r>
-              <a:rPr lang="pl-PL" dirty="0"/>
-              <a:t>[['</a:t>
-            </a:r>
-            <a:r>
-              <a:rPr lang="pl-PL" dirty="0" err="1"/>
-              <a:t>SibSp</a:t>
-            </a:r>
-            <a:r>
-              <a:rPr lang="pl-PL" dirty="0"/>
-              <a:t>', '</a:t>
-            </a:r>
-            <a:r>
-              <a:rPr lang="pl-PL" dirty="0" err="1"/>
-              <a:t>Survived</a:t>
-            </a:r>
-            <a:r>
-              <a:rPr lang="pl-PL" dirty="0"/>
-              <a:t>']].</a:t>
-            </a:r>
-            <a:r>
-              <a:rPr lang="pl-PL" dirty="0" err="1"/>
-              <a:t>groupby</a:t>
-            </a:r>
-            <a:r>
-              <a:rPr lang="pl-PL" dirty="0"/>
-              <a:t>(['</a:t>
-            </a:r>
-            <a:r>
-              <a:rPr lang="pl-PL" dirty="0" err="1"/>
-              <a:t>SibSp</a:t>
-            </a:r>
-            <a:r>
-              <a:rPr lang="pl-PL" dirty="0"/>
-              <a:t>'], </a:t>
-            </a:r>
-            <a:r>
-              <a:rPr lang="pl-PL" dirty="0" err="1"/>
-              <a:t>as_index</a:t>
-            </a:r>
-            <a:r>
-              <a:rPr lang="pl-PL" dirty="0"/>
-              <a:t>=</a:t>
-            </a:r>
-            <a:r>
-              <a:rPr lang="pl-PL" dirty="0" err="1"/>
-              <a:t>False</a:t>
-            </a:r>
-            <a:r>
-              <a:rPr lang="pl-PL" dirty="0"/>
-              <a:t>).</a:t>
-            </a:r>
-            <a:r>
-              <a:rPr lang="pl-PL" dirty="0" err="1"/>
-              <a:t>mean</a:t>
-            </a:r>
-            <a:r>
-              <a:rPr lang="pl-PL" dirty="0"/>
-              <a:t>())</a:t>
-            </a:r>
           </a:p>
         </p:txBody>
       </p:sp>
     </p:spTree>
     <p:extLst>
       <p:ext uri="{BB962C8B-B14F-4D97-AF65-F5344CB8AC3E}">
-        <p14:creationId xmlns:p14="http://schemas.microsoft.com/office/powerpoint/2010/main" val="3943070145"/>
+        <p14:creationId xmlns:p14="http://schemas.microsoft.com/office/powerpoint/2010/main" val="588685881"/>
       </p:ext>
     </p:extLst>
   </p:cSld>
@@ -6439,7 +7365,7 @@
           <p:cNvPr id="2" name="Tytuł 1">
             <a:extLst>
               <a:ext uri="{FF2B5EF4-FFF2-40B4-BE49-F238E27FC236}">
-                <a16:creationId xmlns:a16="http://schemas.microsoft.com/office/drawing/2014/main" id="{3281AA66-EA90-4520-8363-1A16040F7DFF}"/>
+                <a16:creationId xmlns:a16="http://schemas.microsoft.com/office/drawing/2014/main" id="{71D17FFE-44A5-40FF-8B5E-DE601694BFDC}"/>
               </a:ext>
             </a:extLst>
           </p:cNvPr>
@@ -6450,24 +7376,14 @@
             <p:ph type="title"/>
           </p:nvPr>
         </p:nvSpPr>
-        <p:spPr>
-          <a:xfrm>
-            <a:off x="838200" y="0"/>
-            <a:ext cx="10515600" cy="1325563"/>
-          </a:xfrm>
-        </p:spPr>
+        <p:spPr/>
         <p:txBody>
           <a:bodyPr/>
           <a:lstStyle/>
           <a:p>
-            <a:pPr algn="ctr"/>
-            <a:r>
-              <a:rPr lang="pl-PL" dirty="0" err="1"/>
-              <a:t>Preprocessing</a:t>
-            </a:r>
             <a:r>
               <a:rPr lang="pl-PL" dirty="0"/>
-              <a:t> danych</a:t>
+              <a:t>ZADANIE</a:t>
             </a:r>
           </a:p>
         </p:txBody>
@@ -6477,7 +7393,7 @@
           <p:cNvPr id="3" name="Symbol zastępczy zawartości 2">
             <a:extLst>
               <a:ext uri="{FF2B5EF4-FFF2-40B4-BE49-F238E27FC236}">
-                <a16:creationId xmlns:a16="http://schemas.microsoft.com/office/drawing/2014/main" id="{97F1899B-61B1-4A2B-8443-685AA7A4D314}"/>
+                <a16:creationId xmlns:a16="http://schemas.microsoft.com/office/drawing/2014/main" id="{A694B9FA-53C6-40D0-BCE3-2E760DB42B00}"/>
               </a:ext>
             </a:extLst>
           </p:cNvPr>
@@ -6488,745 +7404,136 @@
             <p:ph idx="1"/>
           </p:nvPr>
         </p:nvSpPr>
-        <p:spPr>
-          <a:xfrm>
-            <a:off x="1180288" y="1086322"/>
-            <a:ext cx="10849583" cy="5606307"/>
-          </a:xfrm>
-        </p:spPr>
+        <p:spPr/>
         <p:txBody>
           <a:bodyPr>
-            <a:noAutofit/>
+            <a:normAutofit/>
           </a:bodyPr>
           <a:lstStyle/>
           <a:p>
+            <a:pPr>
+              <a:buFontTx/>
+              <a:buChar char="-"/>
+            </a:pPr>
+            <a:r>
+              <a:rPr lang="pl-PL" sz="2400" dirty="0"/>
+              <a:t>Przeanalizuj zbiór danych </a:t>
+            </a:r>
+            <a:r>
+              <a:rPr lang="pl-PL" sz="2400" dirty="0" err="1"/>
+              <a:t>Titanic</a:t>
+            </a:r>
+            <a:endParaRPr lang="pl-PL" sz="2400" dirty="0"/>
+          </a:p>
+          <a:p>
+            <a:pPr>
+              <a:buFontTx/>
+              <a:buChar char="-"/>
+            </a:pPr>
+            <a:r>
+              <a:rPr lang="pl-PL" sz="2400" dirty="0"/>
+              <a:t>Wykonaj transformację kolumn do odpowiedniej postaci</a:t>
+            </a:r>
+          </a:p>
+          <a:p>
+            <a:pPr>
+              <a:buFontTx/>
+              <a:buChar char="-"/>
+            </a:pPr>
+            <a:r>
+              <a:rPr lang="pl-PL" sz="2400" dirty="0"/>
+              <a:t>Zamodeluj dane (np. MLP – </a:t>
+            </a:r>
+            <a:r>
+              <a:rPr lang="pl-PL" sz="2400" dirty="0" err="1"/>
+              <a:t>Keras</a:t>
+            </a:r>
+            <a:r>
+              <a:rPr lang="pl-PL" sz="2400" dirty="0"/>
+              <a:t>, [KNN, SVM, </a:t>
+            </a:r>
+            <a:r>
+              <a:rPr lang="pl-PL" sz="2400" dirty="0" err="1"/>
+              <a:t>Random</a:t>
+            </a:r>
+            <a:r>
+              <a:rPr lang="pl-PL" sz="2400" dirty="0"/>
+              <a:t> </a:t>
+            </a:r>
+            <a:r>
+              <a:rPr lang="pl-PL" sz="2400" dirty="0" err="1"/>
+              <a:t>Forest</a:t>
+            </a:r>
+            <a:r>
+              <a:rPr lang="pl-PL" sz="2400" dirty="0"/>
+              <a:t>] – </a:t>
+            </a:r>
+            <a:r>
+              <a:rPr lang="pl-PL" sz="2400" dirty="0" err="1"/>
+              <a:t>sklearn</a:t>
+            </a:r>
+            <a:r>
+              <a:rPr lang="pl-PL" sz="2400" dirty="0"/>
+              <a:t>)</a:t>
+            </a:r>
+          </a:p>
+          <a:p>
             <a:pPr marL="0" indent="0">
-              <a:lnSpc>
-                <a:spcPts val="1500"/>
-              </a:lnSpc>
               <a:buNone/>
             </a:pPr>
-            <a:r>
-              <a:rPr lang="pl-PL" sz="1200" b="1" dirty="0"/>
-              <a:t>Drop </a:t>
-            </a:r>
-            <a:r>
-              <a:rPr lang="pl-PL" sz="1200" b="1" dirty="0" err="1"/>
-              <a:t>column</a:t>
-            </a:r>
-            <a:r>
-              <a:rPr lang="pl-PL" sz="1200" b="1" dirty="0"/>
-              <a:t> / </a:t>
-            </a:r>
-            <a:r>
-              <a:rPr lang="pl-PL" sz="1200" b="1" dirty="0" err="1"/>
-              <a:t>row</a:t>
-            </a:r>
-            <a:endParaRPr lang="pl-PL" sz="1200" b="1" dirty="0"/>
+            <a:endParaRPr lang="pl-PL" sz="2400" dirty="0"/>
           </a:p>
           <a:p>
             <a:pPr marL="0" indent="0">
-              <a:lnSpc>
-                <a:spcPts val="1500"/>
-              </a:lnSpc>
               <a:buNone/>
             </a:pPr>
-            <a:r>
-              <a:rPr lang="pl-PL" sz="1100" dirty="0" err="1"/>
-              <a:t>df</a:t>
-            </a:r>
-            <a:r>
-              <a:rPr lang="pl-PL" sz="1100" dirty="0"/>
-              <a:t> = </a:t>
-            </a:r>
-            <a:r>
-              <a:rPr lang="pl-PL" sz="1100" dirty="0" err="1"/>
-              <a:t>df.drop</a:t>
-            </a:r>
-            <a:r>
-              <a:rPr lang="pl-PL" sz="1100" dirty="0"/>
-              <a:t>(['</a:t>
-            </a:r>
-            <a:r>
-              <a:rPr lang="pl-PL" sz="1100" dirty="0" err="1"/>
-              <a:t>PassengerId</a:t>
-            </a:r>
-            <a:r>
-              <a:rPr lang="pl-PL" sz="1100" dirty="0"/>
-              <a:t>', '</a:t>
-            </a:r>
-            <a:r>
-              <a:rPr lang="pl-PL" sz="1100" dirty="0" err="1"/>
-              <a:t>Ticket</a:t>
-            </a:r>
-            <a:r>
-              <a:rPr lang="pl-PL" sz="1100" dirty="0"/>
-              <a:t>'], </a:t>
-            </a:r>
-            <a:r>
-              <a:rPr lang="pl-PL" sz="1100" dirty="0" err="1"/>
-              <a:t>axis</a:t>
-            </a:r>
-            <a:r>
-              <a:rPr lang="pl-PL" sz="1100" dirty="0"/>
-              <a:t>=1) 	# </a:t>
-            </a:r>
-            <a:r>
-              <a:rPr lang="pl-PL" sz="1100" dirty="0" err="1"/>
-              <a:t>Column</a:t>
-            </a:r>
-            <a:br>
-              <a:rPr lang="pl-PL" sz="1100" dirty="0"/>
-            </a:br>
-            <a:r>
-              <a:rPr lang="pl-PL" sz="1100" dirty="0" err="1"/>
-              <a:t>df</a:t>
-            </a:r>
-            <a:r>
-              <a:rPr lang="pl-PL" sz="1100" dirty="0"/>
-              <a:t> = </a:t>
-            </a:r>
-            <a:r>
-              <a:rPr lang="pl-PL" sz="1100" dirty="0" err="1"/>
-              <a:t>df.drop</a:t>
-            </a:r>
-            <a:r>
-              <a:rPr lang="pl-PL" sz="1100" dirty="0"/>
-              <a:t>(0, </a:t>
-            </a:r>
-            <a:r>
-              <a:rPr lang="pl-PL" sz="1100" dirty="0" err="1"/>
-              <a:t>axis</a:t>
-            </a:r>
-            <a:r>
-              <a:rPr lang="pl-PL" sz="1100" dirty="0"/>
-              <a:t>=0)                                       	# </a:t>
-            </a:r>
-            <a:r>
-              <a:rPr lang="pl-PL" sz="1100" dirty="0" err="1"/>
-              <a:t>Row</a:t>
-            </a:r>
-            <a:r>
-              <a:rPr lang="pl-PL" sz="1100" dirty="0"/>
-              <a:t> #0</a:t>
-            </a:r>
-            <a:endParaRPr lang="pl-PL" sz="1200" b="1" u="sng" dirty="0"/>
+            <a:endParaRPr lang="pl-PL" sz="2400" dirty="0"/>
           </a:p>
           <a:p>
             <a:pPr marL="0" indent="0">
-              <a:lnSpc>
-                <a:spcPts val="1500"/>
-              </a:lnSpc>
               <a:buNone/>
             </a:pPr>
             <a:r>
-              <a:rPr lang="pl-PL" sz="1200" b="1" dirty="0"/>
-              <a:t>Drop </a:t>
-            </a:r>
-            <a:r>
-              <a:rPr lang="pl-PL" sz="1200" b="1" dirty="0" err="1"/>
-              <a:t>rows</a:t>
-            </a:r>
-            <a:r>
-              <a:rPr lang="pl-PL" sz="1200" b="1" dirty="0"/>
-              <a:t> with </a:t>
-            </a:r>
-            <a:r>
-              <a:rPr lang="pl-PL" sz="1200" b="1" dirty="0" err="1"/>
-              <a:t>any</a:t>
-            </a:r>
-            <a:r>
-              <a:rPr lang="pl-PL" sz="1200" b="1" dirty="0"/>
-              <a:t> </a:t>
-            </a:r>
-            <a:r>
-              <a:rPr lang="pl-PL" sz="1200" b="1" dirty="0" err="1"/>
-              <a:t>NaN</a:t>
-            </a:r>
-            <a:r>
-              <a:rPr lang="pl-PL" sz="1200" b="1" dirty="0"/>
-              <a:t> </a:t>
-            </a:r>
-            <a:r>
-              <a:rPr lang="pl-PL" sz="1200" b="1" dirty="0" err="1"/>
-              <a:t>value</a:t>
-            </a:r>
-            <a:endParaRPr lang="pl-PL" sz="1200" b="1" dirty="0"/>
-          </a:p>
-          <a:p>
-            <a:pPr marL="0" indent="0">
-              <a:lnSpc>
-                <a:spcPts val="1500"/>
-              </a:lnSpc>
-              <a:buNone/>
+              <a:rPr lang="pl-PL" sz="2400" dirty="0"/>
+              <a:t>Kopalnia wiedzy:</a:t>
+            </a:r>
+          </a:p>
+          <a:p>
+            <a:pPr>
+              <a:buFontTx/>
+              <a:buChar char="-"/>
             </a:pPr>
             <a:r>
-              <a:rPr lang="pl-PL" sz="1100" dirty="0" err="1"/>
-              <a:t>df</a:t>
-            </a:r>
-            <a:r>
-              <a:rPr lang="pl-PL" sz="1100" dirty="0"/>
-              <a:t> = </a:t>
-            </a:r>
-            <a:r>
-              <a:rPr lang="pl-PL" sz="1100" dirty="0" err="1"/>
-              <a:t>df.dropna</a:t>
-            </a:r>
-            <a:r>
-              <a:rPr lang="pl-PL" sz="1100" dirty="0"/>
-              <a:t>()</a:t>
-            </a:r>
-            <a:endParaRPr lang="pl-PL" sz="1200" b="1" u="sng" dirty="0"/>
-          </a:p>
-          <a:p>
-            <a:pPr marL="0" indent="0">
-              <a:lnSpc>
-                <a:spcPts val="1500"/>
-              </a:lnSpc>
-              <a:buNone/>
+              <a:rPr lang="pl-PL" sz="2400" dirty="0"/>
+              <a:t>kaggle.com</a:t>
+            </a:r>
+          </a:p>
+          <a:p>
+            <a:pPr>
+              <a:buFontTx/>
+              <a:buChar char="-"/>
             </a:pPr>
             <a:r>
-              <a:rPr lang="pl-PL" sz="1200" b="1" dirty="0" err="1"/>
-              <a:t>Fill</a:t>
-            </a:r>
-            <a:r>
-              <a:rPr lang="pl-PL" sz="1200" b="1" dirty="0"/>
-              <a:t> </a:t>
-            </a:r>
-            <a:r>
-              <a:rPr lang="pl-PL" sz="1200" b="1" dirty="0" err="1"/>
-              <a:t>NaN</a:t>
-            </a:r>
-            <a:r>
-              <a:rPr lang="pl-PL" sz="1200" b="1" dirty="0"/>
-              <a:t> </a:t>
-            </a:r>
-            <a:r>
-              <a:rPr lang="pl-PL" sz="1200" b="1" dirty="0" err="1"/>
-              <a:t>values</a:t>
-            </a:r>
-            <a:endParaRPr lang="pl-PL" sz="1200" b="1" dirty="0"/>
-          </a:p>
-          <a:p>
-            <a:pPr marL="0" indent="0">
-              <a:lnSpc>
-                <a:spcPts val="1500"/>
-              </a:lnSpc>
-              <a:buNone/>
+              <a:rPr lang="pl-PL" sz="2400" dirty="0"/>
+              <a:t>medium.com</a:t>
+            </a:r>
+          </a:p>
+          <a:p>
+            <a:pPr>
+              <a:buFontTx/>
+              <a:buChar char="-"/>
             </a:pPr>
             <a:r>
-              <a:rPr lang="pl-PL" sz="1100" dirty="0" err="1"/>
-              <a:t>df</a:t>
-            </a:r>
-            <a:r>
-              <a:rPr lang="pl-PL" sz="1100" dirty="0"/>
-              <a:t>['Age'] = </a:t>
-            </a:r>
-            <a:r>
-              <a:rPr lang="pl-PL" sz="1100" dirty="0" err="1"/>
-              <a:t>df</a:t>
-            </a:r>
-            <a:r>
-              <a:rPr lang="pl-PL" sz="1100" dirty="0"/>
-              <a:t>['Age'].</a:t>
-            </a:r>
-            <a:r>
-              <a:rPr lang="pl-PL" sz="1100" dirty="0" err="1"/>
-              <a:t>fillna</a:t>
-            </a:r>
-            <a:r>
-              <a:rPr lang="pl-PL" sz="1100" dirty="0"/>
-              <a:t>(</a:t>
-            </a:r>
-            <a:r>
-              <a:rPr lang="pl-PL" sz="1100" dirty="0" err="1"/>
-              <a:t>df</a:t>
-            </a:r>
-            <a:r>
-              <a:rPr lang="pl-PL" sz="1100" dirty="0"/>
-              <a:t>['Age'].</a:t>
-            </a:r>
-            <a:r>
-              <a:rPr lang="pl-PL" sz="1100" dirty="0" err="1"/>
-              <a:t>dropna</a:t>
-            </a:r>
-            <a:r>
-              <a:rPr lang="pl-PL" sz="1100" dirty="0"/>
-              <a:t>().median())  	 # </a:t>
-            </a:r>
-            <a:r>
-              <a:rPr lang="pl-PL" sz="1100" dirty="0" err="1"/>
-              <a:t>Fill</a:t>
-            </a:r>
-            <a:r>
-              <a:rPr lang="pl-PL" sz="1100" dirty="0"/>
-              <a:t> 'Age' with median</a:t>
-            </a:r>
-            <a:br>
-              <a:rPr lang="pl-PL" sz="1100" dirty="0"/>
-            </a:br>
-            <a:r>
-              <a:rPr lang="pl-PL" sz="1100" dirty="0" err="1"/>
-              <a:t>df</a:t>
-            </a:r>
-            <a:r>
-              <a:rPr lang="pl-PL" sz="1100" dirty="0"/>
-              <a:t>['Age'] = </a:t>
-            </a:r>
-            <a:r>
-              <a:rPr lang="pl-PL" sz="1100" dirty="0" err="1"/>
-              <a:t>df</a:t>
-            </a:r>
-            <a:r>
-              <a:rPr lang="pl-PL" sz="1100" dirty="0"/>
-              <a:t>['Age'].</a:t>
-            </a:r>
-            <a:r>
-              <a:rPr lang="pl-PL" sz="1100" dirty="0" err="1"/>
-              <a:t>fillna</a:t>
-            </a:r>
-            <a:r>
-              <a:rPr lang="pl-PL" sz="1100" dirty="0"/>
-              <a:t>(</a:t>
-            </a:r>
-            <a:r>
-              <a:rPr lang="pl-PL" sz="1100" dirty="0" err="1"/>
-              <a:t>method</a:t>
-            </a:r>
-            <a:r>
-              <a:rPr lang="pl-PL" sz="1100" dirty="0"/>
-              <a:t>='</a:t>
-            </a:r>
-            <a:r>
-              <a:rPr lang="pl-PL" sz="1100" dirty="0" err="1"/>
-              <a:t>ffill</a:t>
-            </a:r>
-            <a:r>
-              <a:rPr lang="pl-PL" sz="1100" dirty="0"/>
-              <a:t>')                	 # </a:t>
-            </a:r>
-            <a:r>
-              <a:rPr lang="pl-PL" sz="1100" dirty="0" err="1"/>
-              <a:t>ffill</a:t>
-            </a:r>
-            <a:r>
-              <a:rPr lang="pl-PL" sz="1100" dirty="0"/>
-              <a:t> = </a:t>
-            </a:r>
-            <a:r>
-              <a:rPr lang="pl-PL" sz="1100" dirty="0" err="1"/>
-              <a:t>forward</a:t>
-            </a:r>
-            <a:r>
-              <a:rPr lang="pl-PL" sz="1100" dirty="0"/>
-              <a:t> </a:t>
-            </a:r>
-            <a:r>
-              <a:rPr lang="pl-PL" sz="1100" dirty="0" err="1"/>
-              <a:t>fill</a:t>
-            </a:r>
-            <a:r>
-              <a:rPr lang="pl-PL" sz="1100" dirty="0"/>
-              <a:t> ; </a:t>
-            </a:r>
-            <a:r>
-              <a:rPr lang="pl-PL" sz="1100" dirty="0" err="1"/>
-              <a:t>bfill</a:t>
-            </a:r>
-            <a:r>
-              <a:rPr lang="pl-PL" sz="1100" dirty="0"/>
-              <a:t> = </a:t>
-            </a:r>
-            <a:r>
-              <a:rPr lang="pl-PL" sz="1100" dirty="0" err="1"/>
-              <a:t>backward</a:t>
-            </a:r>
-            <a:r>
-              <a:rPr lang="pl-PL" sz="1100" dirty="0"/>
-              <a:t> </a:t>
-            </a:r>
-            <a:r>
-              <a:rPr lang="pl-PL" sz="1100" dirty="0" err="1"/>
-              <a:t>fill</a:t>
-            </a:r>
-            <a:endParaRPr lang="pl-PL" sz="1200" b="1" u="sng" dirty="0"/>
-          </a:p>
-          <a:p>
-            <a:pPr marL="0" indent="0">
-              <a:lnSpc>
-                <a:spcPts val="1500"/>
-              </a:lnSpc>
-              <a:buNone/>
-            </a:pPr>
-            <a:r>
-              <a:rPr lang="pl-PL" sz="1200" b="1" dirty="0" err="1"/>
-              <a:t>Categorical</a:t>
-            </a:r>
-            <a:r>
-              <a:rPr lang="pl-PL" sz="1200" b="1" dirty="0"/>
-              <a:t> </a:t>
-            </a:r>
-            <a:r>
-              <a:rPr lang="pl-PL" sz="1200" b="1" dirty="0" err="1"/>
-              <a:t>feature</a:t>
-            </a:r>
-            <a:r>
-              <a:rPr lang="pl-PL" sz="1200" b="1" dirty="0"/>
-              <a:t> </a:t>
-            </a:r>
-            <a:r>
-              <a:rPr lang="pl-PL" sz="1200" b="1" dirty="0" err="1"/>
-              <a:t>normalization</a:t>
-            </a:r>
-            <a:endParaRPr lang="pl-PL" sz="1200" b="1" dirty="0"/>
-          </a:p>
-          <a:p>
-            <a:pPr marL="0" indent="0">
-              <a:lnSpc>
-                <a:spcPts val="1500"/>
-              </a:lnSpc>
-              <a:buNone/>
-            </a:pPr>
-            <a:r>
-              <a:rPr lang="pl-PL" sz="1100" dirty="0" err="1"/>
-              <a:t>df</a:t>
-            </a:r>
-            <a:r>
-              <a:rPr lang="pl-PL" sz="1100" dirty="0"/>
-              <a:t>['</a:t>
-            </a:r>
-            <a:r>
-              <a:rPr lang="pl-PL" sz="1100" dirty="0" err="1"/>
-              <a:t>Embarked</a:t>
-            </a:r>
-            <a:r>
-              <a:rPr lang="pl-PL" sz="1100" dirty="0"/>
-              <a:t>'] = </a:t>
-            </a:r>
-            <a:r>
-              <a:rPr lang="pl-PL" sz="1100" dirty="0" err="1"/>
-              <a:t>LabelEncoder</a:t>
-            </a:r>
-            <a:r>
-              <a:rPr lang="pl-PL" sz="1100" dirty="0"/>
-              <a:t>().</a:t>
-            </a:r>
-            <a:r>
-              <a:rPr lang="pl-PL" sz="1100" dirty="0" err="1"/>
-              <a:t>fit_transform</a:t>
-            </a:r>
-            <a:r>
-              <a:rPr lang="pl-PL" sz="1100" dirty="0"/>
-              <a:t>(</a:t>
-            </a:r>
-            <a:r>
-              <a:rPr lang="pl-PL" sz="1100" dirty="0" err="1"/>
-              <a:t>df</a:t>
-            </a:r>
-            <a:r>
-              <a:rPr lang="pl-PL" sz="1100" dirty="0"/>
-              <a:t>['</a:t>
-            </a:r>
-            <a:r>
-              <a:rPr lang="pl-PL" sz="1100" dirty="0" err="1"/>
-              <a:t>Embarked</a:t>
-            </a:r>
-            <a:r>
-              <a:rPr lang="pl-PL" sz="1100" dirty="0"/>
-              <a:t>'])</a:t>
-            </a:r>
-          </a:p>
-          <a:p>
-            <a:pPr marL="0" indent="0">
-              <a:lnSpc>
-                <a:spcPts val="1500"/>
-              </a:lnSpc>
-              <a:buNone/>
-            </a:pPr>
-            <a:r>
-              <a:rPr lang="pl-PL" sz="1200" b="1" dirty="0" err="1"/>
-              <a:t>Cast</a:t>
-            </a:r>
-            <a:r>
-              <a:rPr lang="pl-PL" sz="1200" b="1" dirty="0"/>
-              <a:t> </a:t>
-            </a:r>
-            <a:r>
-              <a:rPr lang="pl-PL" sz="1200" b="1" dirty="0" err="1"/>
-              <a:t>values</a:t>
-            </a:r>
-            <a:r>
-              <a:rPr lang="pl-PL" sz="1200" b="1" dirty="0"/>
-              <a:t> to </a:t>
-            </a:r>
-            <a:r>
-              <a:rPr lang="pl-PL" sz="1200" b="1" dirty="0" err="1"/>
-              <a:t>specified</a:t>
-            </a:r>
-            <a:r>
-              <a:rPr lang="pl-PL" sz="1200" b="1" dirty="0"/>
-              <a:t> format</a:t>
-            </a:r>
-          </a:p>
-          <a:p>
-            <a:pPr marL="0" indent="0">
-              <a:lnSpc>
-                <a:spcPts val="1500"/>
-              </a:lnSpc>
-              <a:buNone/>
-            </a:pPr>
-            <a:r>
-              <a:rPr lang="pl-PL" sz="1100" dirty="0" err="1"/>
-              <a:t>df</a:t>
-            </a:r>
-            <a:r>
-              <a:rPr lang="pl-PL" sz="1100" dirty="0"/>
-              <a:t>['Age'] = </a:t>
-            </a:r>
-            <a:r>
-              <a:rPr lang="pl-PL" sz="1100" dirty="0" err="1"/>
-              <a:t>df</a:t>
-            </a:r>
-            <a:r>
-              <a:rPr lang="pl-PL" sz="1100" dirty="0"/>
-              <a:t>['Age'].</a:t>
-            </a:r>
-            <a:r>
-              <a:rPr lang="pl-PL" sz="1100" dirty="0" err="1"/>
-              <a:t>astype</a:t>
-            </a:r>
-            <a:r>
-              <a:rPr lang="pl-PL" sz="1100" dirty="0"/>
-              <a:t>('</a:t>
-            </a:r>
-            <a:r>
-              <a:rPr lang="pl-PL" sz="1100" dirty="0" err="1"/>
-              <a:t>int</a:t>
-            </a:r>
-            <a:r>
-              <a:rPr lang="pl-PL" sz="1100" dirty="0"/>
-              <a:t>')</a:t>
-            </a:r>
-          </a:p>
-          <a:p>
-            <a:pPr marL="0" indent="0">
-              <a:lnSpc>
-                <a:spcPts val="1500"/>
-              </a:lnSpc>
-              <a:buNone/>
-            </a:pPr>
-            <a:r>
-              <a:rPr lang="pl-PL" sz="1200" b="1" dirty="0"/>
-              <a:t>New </a:t>
-            </a:r>
-            <a:r>
-              <a:rPr lang="pl-PL" sz="1200" b="1" dirty="0" err="1"/>
-              <a:t>features</a:t>
-            </a:r>
-            <a:r>
-              <a:rPr lang="pl-PL" sz="1200" b="1" dirty="0"/>
-              <a:t> (</a:t>
-            </a:r>
-            <a:r>
-              <a:rPr lang="pl-PL" sz="1200" b="1" dirty="0" err="1"/>
-              <a:t>using</a:t>
-            </a:r>
-            <a:r>
-              <a:rPr lang="pl-PL" sz="1200" b="1" dirty="0"/>
-              <a:t> list </a:t>
-            </a:r>
-            <a:r>
-              <a:rPr lang="pl-PL" sz="1200" b="1" dirty="0" err="1"/>
-              <a:t>comprehension</a:t>
-            </a:r>
-            <a:r>
-              <a:rPr lang="pl-PL" sz="1200" b="1" dirty="0"/>
-              <a:t>)</a:t>
-            </a:r>
-          </a:p>
-          <a:p>
-            <a:pPr marL="0" indent="0">
-              <a:lnSpc>
-                <a:spcPts val="1500"/>
-              </a:lnSpc>
-              <a:buNone/>
-            </a:pPr>
-            <a:r>
-              <a:rPr lang="pl-PL" sz="1100" dirty="0" err="1"/>
-              <a:t>df</a:t>
-            </a:r>
-            <a:r>
-              <a:rPr lang="pl-PL" sz="1100" dirty="0"/>
-              <a:t>['</a:t>
-            </a:r>
-            <a:r>
-              <a:rPr lang="pl-PL" sz="1100" dirty="0" err="1"/>
-              <a:t>Age_child</a:t>
-            </a:r>
-            <a:r>
-              <a:rPr lang="pl-PL" sz="1100" dirty="0"/>
-              <a:t>'] = [</a:t>
-            </a:r>
-            <a:r>
-              <a:rPr lang="pl-PL" sz="1100" dirty="0" err="1"/>
-              <a:t>int</a:t>
-            </a:r>
-            <a:r>
-              <a:rPr lang="pl-PL" sz="1100" dirty="0"/>
-              <a:t>(x&lt;18) for x in </a:t>
-            </a:r>
-            <a:r>
-              <a:rPr lang="pl-PL" sz="1100" dirty="0" err="1"/>
-              <a:t>df</a:t>
-            </a:r>
-            <a:r>
-              <a:rPr lang="pl-PL" sz="1100" dirty="0"/>
-              <a:t>['Age’]]</a:t>
-            </a:r>
-            <a:br>
-              <a:rPr lang="pl-PL" sz="1100" dirty="0"/>
-            </a:br>
-            <a:r>
-              <a:rPr lang="pl-PL" sz="1100" dirty="0" err="1"/>
-              <a:t>df</a:t>
-            </a:r>
-            <a:r>
-              <a:rPr lang="pl-PL" sz="1100" dirty="0"/>
-              <a:t>['</a:t>
-            </a:r>
-            <a:r>
-              <a:rPr lang="pl-PL" sz="1100" dirty="0" err="1"/>
-              <a:t>Age_adult</a:t>
-            </a:r>
-            <a:r>
-              <a:rPr lang="pl-PL" sz="1100" dirty="0"/>
-              <a:t>'] = [</a:t>
-            </a:r>
-            <a:r>
-              <a:rPr lang="pl-PL" sz="1100" dirty="0" err="1"/>
-              <a:t>int</a:t>
-            </a:r>
-            <a:r>
-              <a:rPr lang="pl-PL" sz="1100" dirty="0"/>
-              <a:t>(x&gt;=18) for x in </a:t>
-            </a:r>
-            <a:r>
-              <a:rPr lang="pl-PL" sz="1100" dirty="0" err="1"/>
-              <a:t>df</a:t>
-            </a:r>
-            <a:r>
-              <a:rPr lang="pl-PL" sz="1100" dirty="0"/>
-              <a:t>['Age’]]</a:t>
-            </a:r>
-          </a:p>
-          <a:p>
-            <a:pPr marL="0" indent="0">
-              <a:lnSpc>
-                <a:spcPts val="1500"/>
-              </a:lnSpc>
-              <a:buNone/>
-            </a:pPr>
-            <a:r>
-              <a:rPr lang="pl-PL" sz="1200" b="1" dirty="0" err="1"/>
-              <a:t>Scale</a:t>
-            </a:r>
-            <a:r>
-              <a:rPr lang="pl-PL" sz="1200" b="1" dirty="0"/>
-              <a:t> </a:t>
-            </a:r>
-            <a:r>
-              <a:rPr lang="pl-PL" sz="1200" b="1" dirty="0" err="1"/>
-              <a:t>values</a:t>
-            </a:r>
-            <a:endParaRPr lang="pl-PL" sz="1200" b="1" dirty="0"/>
-          </a:p>
-          <a:p>
-            <a:pPr marL="0" indent="0">
-              <a:lnSpc>
-                <a:spcPts val="1500"/>
-              </a:lnSpc>
-              <a:buNone/>
-            </a:pPr>
-            <a:r>
-              <a:rPr lang="en-US" sz="1200" dirty="0"/>
-              <a:t>from </a:t>
-            </a:r>
-            <a:r>
-              <a:rPr lang="en-US" sz="1200" dirty="0" err="1"/>
-              <a:t>sklearn.preprocessing</a:t>
-            </a:r>
-            <a:r>
-              <a:rPr lang="en-US" sz="1200" dirty="0"/>
-              <a:t> import </a:t>
-            </a:r>
-            <a:r>
-              <a:rPr lang="en-US" sz="1200" dirty="0" err="1"/>
-              <a:t>MinMaxScaler</a:t>
-            </a:r>
-            <a:br>
-              <a:rPr lang="pl-PL" sz="1200" dirty="0"/>
-            </a:br>
-            <a:r>
-              <a:rPr lang="pl-PL" sz="1100" dirty="0" err="1"/>
-              <a:t>df</a:t>
-            </a:r>
-            <a:r>
-              <a:rPr lang="pl-PL" sz="1100" dirty="0"/>
-              <a:t>[['Age', '</a:t>
-            </a:r>
-            <a:r>
-              <a:rPr lang="pl-PL" sz="1100" dirty="0" err="1"/>
-              <a:t>Fare</a:t>
-            </a:r>
-            <a:r>
-              <a:rPr lang="pl-PL" sz="1100" dirty="0"/>
-              <a:t>']] = </a:t>
-            </a:r>
-            <a:r>
-              <a:rPr lang="pl-PL" sz="1100" dirty="0" err="1"/>
-              <a:t>MinMaxScaler</a:t>
-            </a:r>
-            <a:r>
-              <a:rPr lang="pl-PL" sz="1100" dirty="0"/>
-              <a:t>().</a:t>
-            </a:r>
-            <a:r>
-              <a:rPr lang="pl-PL" sz="1100" dirty="0" err="1"/>
-              <a:t>fit_transform</a:t>
-            </a:r>
-            <a:r>
-              <a:rPr lang="pl-PL" sz="1100" dirty="0"/>
-              <a:t>(</a:t>
-            </a:r>
-            <a:r>
-              <a:rPr lang="pl-PL" sz="1100" dirty="0" err="1"/>
-              <a:t>df</a:t>
-            </a:r>
-            <a:r>
-              <a:rPr lang="pl-PL" sz="1100" dirty="0"/>
-              <a:t>[['Age', '</a:t>
-            </a:r>
-            <a:r>
-              <a:rPr lang="pl-PL" sz="1100" dirty="0" err="1"/>
-              <a:t>Fare</a:t>
-            </a:r>
-            <a:r>
-              <a:rPr lang="pl-PL" sz="1100" dirty="0"/>
-              <a:t>']])</a:t>
-            </a:r>
-          </a:p>
-          <a:p>
-            <a:pPr marL="0" indent="0">
-              <a:buNone/>
-            </a:pPr>
-            <a:endParaRPr lang="pl-PL" sz="1100" dirty="0"/>
+              <a:rPr lang="pl-PL" sz="2400" dirty="0"/>
+              <a:t>towardsdatascience.com</a:t>
+            </a:r>
           </a:p>
         </p:txBody>
       </p:sp>
     </p:spTree>
     <p:extLst>
       <p:ext uri="{BB962C8B-B14F-4D97-AF65-F5344CB8AC3E}">
-        <p14:creationId xmlns:p14="http://schemas.microsoft.com/office/powerpoint/2010/main" val="3838505248"/>
+        <p14:creationId xmlns:p14="http://schemas.microsoft.com/office/powerpoint/2010/main" val="3299392330"/>
       </p:ext>
     </p:extLst>
   </p:cSld>
@@ -7258,7 +7565,7 @@
           <p:cNvPr id="2" name="Tytuł 1">
             <a:extLst>
               <a:ext uri="{FF2B5EF4-FFF2-40B4-BE49-F238E27FC236}">
-                <a16:creationId xmlns:a16="http://schemas.microsoft.com/office/drawing/2014/main" id="{6E9A9502-310D-46DF-BAB9-0D190F536C62}"/>
+                <a16:creationId xmlns:a16="http://schemas.microsoft.com/office/drawing/2014/main" id="{0C07D662-7D02-47EA-B87F-774DA6AE8159}"/>
               </a:ext>
             </a:extLst>
           </p:cNvPr>
@@ -7281,19 +7588,18 @@
           <a:p>
             <a:pPr algn="ctr"/>
             <a:r>
-              <a:rPr lang="pl-PL" dirty="0" err="1"/>
-              <a:t>Overfitting</a:t>
-            </a:r>
-            <a:endParaRPr lang="pl-PL" dirty="0"/>
+              <a:rPr lang="pl-PL" dirty="0"/>
+              <a:t>Analiza problemu</a:t>
+            </a:r>
           </a:p>
         </p:txBody>
       </p:sp>
       <p:pic>
         <p:nvPicPr>
-          <p:cNvPr id="5" name="Obraz 4">
-            <a:extLst>
-              <a:ext uri="{FF2B5EF4-FFF2-40B4-BE49-F238E27FC236}">
-                <a16:creationId xmlns:a16="http://schemas.microsoft.com/office/drawing/2014/main" id="{42D7DA6B-DDCB-477B-9018-4990850BDB3B}"/>
+          <p:cNvPr id="7" name="Obraz 6">
+            <a:extLst>
+              <a:ext uri="{FF2B5EF4-FFF2-40B4-BE49-F238E27FC236}">
+                <a16:creationId xmlns:a16="http://schemas.microsoft.com/office/drawing/2014/main" id="{AF46E1BB-899E-4DA9-A9CC-01EA11401599}"/>
               </a:ext>
             </a:extLst>
           </p:cNvPr>
@@ -7310,8 +7616,8 @@
         </p:blipFill>
         <p:spPr>
           <a:xfrm>
-            <a:off x="313294" y="1936188"/>
-            <a:ext cx="11565412" cy="4130504"/>
+            <a:off x="1465793" y="1325563"/>
+            <a:ext cx="9260413" cy="5311846"/>
           </a:xfrm>
           <a:prstGeom prst="rect">
             <a:avLst/>
@@ -7321,7 +7627,7 @@
     </p:spTree>
     <p:extLst>
       <p:ext uri="{BB962C8B-B14F-4D97-AF65-F5344CB8AC3E}">
-        <p14:creationId xmlns:p14="http://schemas.microsoft.com/office/powerpoint/2010/main" val="1341671388"/>
+        <p14:creationId xmlns:p14="http://schemas.microsoft.com/office/powerpoint/2010/main" val="4161694496"/>
       </p:ext>
     </p:extLst>
   </p:cSld>
